--- a/stuff/Hibernate.pptx
+++ b/stuff/Hibernate.pptx
@@ -4,6 +4,9 @@
   <p:sldMasterIdLst>
     <p:sldMasterId id="2147483756" r:id="rId1"/>
   </p:sldMasterIdLst>
+  <p:notesMasterIdLst>
+    <p:notesMasterId r:id="rId14"/>
+  </p:notesMasterIdLst>
   <p:sldIdLst>
     <p:sldId id="256" r:id="rId2"/>
     <p:sldId id="258" r:id="rId3"/>
@@ -118,6 +121,434 @@
 </p:presentation>
 </file>
 
+<file path=ppt/notesMasters/notesMaster1.xml><?xml version="1.0" encoding="utf-8"?>
+<p:notesMaster xmlns:a="http://schemas.openxmlformats.org/drawingml/2006/main" xmlns:r="http://schemas.openxmlformats.org/officeDocument/2006/relationships" xmlns:p="http://schemas.openxmlformats.org/presentationml/2006/main">
+  <p:cSld>
+    <p:bg>
+      <p:bgRef idx="1001">
+        <a:schemeClr val="bg1"/>
+      </p:bgRef>
+    </p:bg>
+    <p:spTree>
+      <p:nvGrpSpPr>
+        <p:cNvPr id="1" name=""/>
+        <p:cNvGrpSpPr/>
+        <p:nvPr/>
+      </p:nvGrpSpPr>
+      <p:grpSpPr>
+        <a:xfrm>
+          <a:off x="0" y="0"/>
+          <a:ext cx="0" cy="0"/>
+          <a:chOff x="0" y="0"/>
+          <a:chExt cx="0" cy="0"/>
+        </a:xfrm>
+      </p:grpSpPr>
+      <p:sp>
+        <p:nvSpPr>
+          <p:cNvPr id="2" name="Верхний колонтитул 1"/>
+          <p:cNvSpPr>
+            <a:spLocks noGrp="1"/>
+          </p:cNvSpPr>
+          <p:nvPr>
+            <p:ph type="hdr" sz="quarter"/>
+          </p:nvPr>
+        </p:nvSpPr>
+        <p:spPr>
+          <a:xfrm>
+            <a:off x="0" y="0"/>
+            <a:ext cx="2971800" cy="457200"/>
+          </a:xfrm>
+          <a:prstGeom prst="rect">
+            <a:avLst/>
+          </a:prstGeom>
+        </p:spPr>
+        <p:txBody>
+          <a:bodyPr vert="horz" lIns="91440" tIns="45720" rIns="91440" bIns="45720" rtlCol="0"/>
+          <a:lstStyle>
+            <a:lvl1pPr algn="l">
+              <a:defRPr sz="1200"/>
+            </a:lvl1pPr>
+          </a:lstStyle>
+          <a:p>
+            <a:endParaRPr lang="ru-RU"/>
+          </a:p>
+        </p:txBody>
+      </p:sp>
+      <p:sp>
+        <p:nvSpPr>
+          <p:cNvPr id="3" name="Дата 2"/>
+          <p:cNvSpPr>
+            <a:spLocks noGrp="1"/>
+          </p:cNvSpPr>
+          <p:nvPr>
+            <p:ph type="dt" idx="1"/>
+          </p:nvPr>
+        </p:nvSpPr>
+        <p:spPr>
+          <a:xfrm>
+            <a:off x="3884613" y="0"/>
+            <a:ext cx="2971800" cy="457200"/>
+          </a:xfrm>
+          <a:prstGeom prst="rect">
+            <a:avLst/>
+          </a:prstGeom>
+        </p:spPr>
+        <p:txBody>
+          <a:bodyPr vert="horz" lIns="91440" tIns="45720" rIns="91440" bIns="45720" rtlCol="0"/>
+          <a:lstStyle>
+            <a:lvl1pPr algn="r">
+              <a:defRPr sz="1200"/>
+            </a:lvl1pPr>
+          </a:lstStyle>
+          <a:p>
+            <a:fld id="{58772C0A-BCF3-4968-BCB0-2B2675456326}" type="datetimeFigureOut">
+              <a:rPr lang="ru-RU" smtClean="0"/>
+              <a:t>09.12.2019</a:t>
+            </a:fld>
+            <a:endParaRPr lang="ru-RU"/>
+          </a:p>
+        </p:txBody>
+      </p:sp>
+      <p:sp>
+        <p:nvSpPr>
+          <p:cNvPr id="4" name="Образ слайда 3"/>
+          <p:cNvSpPr>
+            <a:spLocks noGrp="1" noRot="1" noChangeAspect="1"/>
+          </p:cNvSpPr>
+          <p:nvPr>
+            <p:ph type="sldImg" idx="2"/>
+          </p:nvPr>
+        </p:nvSpPr>
+        <p:spPr>
+          <a:xfrm>
+            <a:off x="1143000" y="685800"/>
+            <a:ext cx="4572000" cy="3429000"/>
+          </a:xfrm>
+          <a:prstGeom prst="rect">
+            <a:avLst/>
+          </a:prstGeom>
+          <a:noFill/>
+          <a:ln w="12700">
+            <a:solidFill>
+              <a:prstClr val="black"/>
+            </a:solidFill>
+          </a:ln>
+        </p:spPr>
+        <p:txBody>
+          <a:bodyPr vert="horz" lIns="91440" tIns="45720" rIns="91440" bIns="45720" rtlCol="0" anchor="ctr"/>
+          <a:lstStyle/>
+          <a:p>
+            <a:endParaRPr lang="ru-RU"/>
+          </a:p>
+        </p:txBody>
+      </p:sp>
+      <p:sp>
+        <p:nvSpPr>
+          <p:cNvPr id="5" name="Заметки 4"/>
+          <p:cNvSpPr>
+            <a:spLocks noGrp="1"/>
+          </p:cNvSpPr>
+          <p:nvPr>
+            <p:ph type="body" sz="quarter" idx="3"/>
+          </p:nvPr>
+        </p:nvSpPr>
+        <p:spPr>
+          <a:xfrm>
+            <a:off x="685800" y="4343400"/>
+            <a:ext cx="5486400" cy="4114800"/>
+          </a:xfrm>
+          <a:prstGeom prst="rect">
+            <a:avLst/>
+          </a:prstGeom>
+        </p:spPr>
+        <p:txBody>
+          <a:bodyPr vert="horz" lIns="91440" tIns="45720" rIns="91440" bIns="45720" rtlCol="0">
+            <a:normAutofit/>
+          </a:bodyPr>
+          <a:lstStyle/>
+          <a:p>
+            <a:pPr lvl="0"/>
+            <a:r>
+              <a:rPr lang="ru-RU" smtClean="0"/>
+              <a:t>Образец текста</a:t>
+            </a:r>
+          </a:p>
+          <a:p>
+            <a:pPr lvl="1"/>
+            <a:r>
+              <a:rPr lang="ru-RU" smtClean="0"/>
+              <a:t>Второй уровень</a:t>
+            </a:r>
+          </a:p>
+          <a:p>
+            <a:pPr lvl="2"/>
+            <a:r>
+              <a:rPr lang="ru-RU" smtClean="0"/>
+              <a:t>Третий уровень</a:t>
+            </a:r>
+          </a:p>
+          <a:p>
+            <a:pPr lvl="3"/>
+            <a:r>
+              <a:rPr lang="ru-RU" smtClean="0"/>
+              <a:t>Четвертый уровень</a:t>
+            </a:r>
+          </a:p>
+          <a:p>
+            <a:pPr lvl="4"/>
+            <a:r>
+              <a:rPr lang="ru-RU" smtClean="0"/>
+              <a:t>Пятый уровень</a:t>
+            </a:r>
+            <a:endParaRPr lang="ru-RU"/>
+          </a:p>
+        </p:txBody>
+      </p:sp>
+      <p:sp>
+        <p:nvSpPr>
+          <p:cNvPr id="6" name="Нижний колонтитул 5"/>
+          <p:cNvSpPr>
+            <a:spLocks noGrp="1"/>
+          </p:cNvSpPr>
+          <p:nvPr>
+            <p:ph type="ftr" sz="quarter" idx="4"/>
+          </p:nvPr>
+        </p:nvSpPr>
+        <p:spPr>
+          <a:xfrm>
+            <a:off x="0" y="8685213"/>
+            <a:ext cx="2971800" cy="457200"/>
+          </a:xfrm>
+          <a:prstGeom prst="rect">
+            <a:avLst/>
+          </a:prstGeom>
+        </p:spPr>
+        <p:txBody>
+          <a:bodyPr vert="horz" lIns="91440" tIns="45720" rIns="91440" bIns="45720" rtlCol="0" anchor="b"/>
+          <a:lstStyle>
+            <a:lvl1pPr algn="l">
+              <a:defRPr sz="1200"/>
+            </a:lvl1pPr>
+          </a:lstStyle>
+          <a:p>
+            <a:endParaRPr lang="ru-RU"/>
+          </a:p>
+        </p:txBody>
+      </p:sp>
+      <p:sp>
+        <p:nvSpPr>
+          <p:cNvPr id="7" name="Номер слайда 6"/>
+          <p:cNvSpPr>
+            <a:spLocks noGrp="1"/>
+          </p:cNvSpPr>
+          <p:nvPr>
+            <p:ph type="sldNum" sz="quarter" idx="5"/>
+          </p:nvPr>
+        </p:nvSpPr>
+        <p:spPr>
+          <a:xfrm>
+            <a:off x="3884613" y="8685213"/>
+            <a:ext cx="2971800" cy="457200"/>
+          </a:xfrm>
+          <a:prstGeom prst="rect">
+            <a:avLst/>
+          </a:prstGeom>
+        </p:spPr>
+        <p:txBody>
+          <a:bodyPr vert="horz" lIns="91440" tIns="45720" rIns="91440" bIns="45720" rtlCol="0" anchor="b"/>
+          <a:lstStyle>
+            <a:lvl1pPr algn="r">
+              <a:defRPr sz="1200"/>
+            </a:lvl1pPr>
+          </a:lstStyle>
+          <a:p>
+            <a:fld id="{83556EF8-D490-4006-B104-2C9E3870DBDB}" type="slidenum">
+              <a:rPr lang="ru-RU" smtClean="0"/>
+              <a:t>‹#›</a:t>
+            </a:fld>
+            <a:endParaRPr lang="ru-RU"/>
+          </a:p>
+        </p:txBody>
+      </p:sp>
+    </p:spTree>
+  </p:cSld>
+  <p:clrMap bg1="lt1" tx1="dk1" bg2="lt2" tx2="dk2" accent1="accent1" accent2="accent2" accent3="accent3" accent4="accent4" accent5="accent5" accent6="accent6" hlink="hlink" folHlink="folHlink"/>
+  <p:notesStyle>
+    <a:lvl1pPr marL="0" algn="l" defTabSz="914400" rtl="0" eaLnBrk="1" latinLnBrk="0" hangingPunct="1">
+      <a:defRPr sz="1200" kern="1200">
+        <a:solidFill>
+          <a:schemeClr val="tx1"/>
+        </a:solidFill>
+        <a:latin typeface="+mn-lt"/>
+        <a:ea typeface="+mn-ea"/>
+        <a:cs typeface="+mn-cs"/>
+      </a:defRPr>
+    </a:lvl1pPr>
+    <a:lvl2pPr marL="457200" algn="l" defTabSz="914400" rtl="0" eaLnBrk="1" latinLnBrk="0" hangingPunct="1">
+      <a:defRPr sz="1200" kern="1200">
+        <a:solidFill>
+          <a:schemeClr val="tx1"/>
+        </a:solidFill>
+        <a:latin typeface="+mn-lt"/>
+        <a:ea typeface="+mn-ea"/>
+        <a:cs typeface="+mn-cs"/>
+      </a:defRPr>
+    </a:lvl2pPr>
+    <a:lvl3pPr marL="914400" algn="l" defTabSz="914400" rtl="0" eaLnBrk="1" latinLnBrk="0" hangingPunct="1">
+      <a:defRPr sz="1200" kern="1200">
+        <a:solidFill>
+          <a:schemeClr val="tx1"/>
+        </a:solidFill>
+        <a:latin typeface="+mn-lt"/>
+        <a:ea typeface="+mn-ea"/>
+        <a:cs typeface="+mn-cs"/>
+      </a:defRPr>
+    </a:lvl3pPr>
+    <a:lvl4pPr marL="1371600" algn="l" defTabSz="914400" rtl="0" eaLnBrk="1" latinLnBrk="0" hangingPunct="1">
+      <a:defRPr sz="1200" kern="1200">
+        <a:solidFill>
+          <a:schemeClr val="tx1"/>
+        </a:solidFill>
+        <a:latin typeface="+mn-lt"/>
+        <a:ea typeface="+mn-ea"/>
+        <a:cs typeface="+mn-cs"/>
+      </a:defRPr>
+    </a:lvl4pPr>
+    <a:lvl5pPr marL="1828800" algn="l" defTabSz="914400" rtl="0" eaLnBrk="1" latinLnBrk="0" hangingPunct="1">
+      <a:defRPr sz="1200" kern="1200">
+        <a:solidFill>
+          <a:schemeClr val="tx1"/>
+        </a:solidFill>
+        <a:latin typeface="+mn-lt"/>
+        <a:ea typeface="+mn-ea"/>
+        <a:cs typeface="+mn-cs"/>
+      </a:defRPr>
+    </a:lvl5pPr>
+    <a:lvl6pPr marL="2286000" algn="l" defTabSz="914400" rtl="0" eaLnBrk="1" latinLnBrk="0" hangingPunct="1">
+      <a:defRPr sz="1200" kern="1200">
+        <a:solidFill>
+          <a:schemeClr val="tx1"/>
+        </a:solidFill>
+        <a:latin typeface="+mn-lt"/>
+        <a:ea typeface="+mn-ea"/>
+        <a:cs typeface="+mn-cs"/>
+      </a:defRPr>
+    </a:lvl6pPr>
+    <a:lvl7pPr marL="2743200" algn="l" defTabSz="914400" rtl="0" eaLnBrk="1" latinLnBrk="0" hangingPunct="1">
+      <a:defRPr sz="1200" kern="1200">
+        <a:solidFill>
+          <a:schemeClr val="tx1"/>
+        </a:solidFill>
+        <a:latin typeface="+mn-lt"/>
+        <a:ea typeface="+mn-ea"/>
+        <a:cs typeface="+mn-cs"/>
+      </a:defRPr>
+    </a:lvl7pPr>
+    <a:lvl8pPr marL="3200400" algn="l" defTabSz="914400" rtl="0" eaLnBrk="1" latinLnBrk="0" hangingPunct="1">
+      <a:defRPr sz="1200" kern="1200">
+        <a:solidFill>
+          <a:schemeClr val="tx1"/>
+        </a:solidFill>
+        <a:latin typeface="+mn-lt"/>
+        <a:ea typeface="+mn-ea"/>
+        <a:cs typeface="+mn-cs"/>
+      </a:defRPr>
+    </a:lvl8pPr>
+    <a:lvl9pPr marL="3657600" algn="l" defTabSz="914400" rtl="0" eaLnBrk="1" latinLnBrk="0" hangingPunct="1">
+      <a:defRPr sz="1200" kern="1200">
+        <a:solidFill>
+          <a:schemeClr val="tx1"/>
+        </a:solidFill>
+        <a:latin typeface="+mn-lt"/>
+        <a:ea typeface="+mn-ea"/>
+        <a:cs typeface="+mn-cs"/>
+      </a:defRPr>
+    </a:lvl9pPr>
+  </p:notesStyle>
+</p:notesMaster>
+</file>
+
+<file path=ppt/notesSlides/notesSlide1.xml><?xml version="1.0" encoding="utf-8"?>
+<p:notes xmlns:a="http://schemas.openxmlformats.org/drawingml/2006/main" xmlns:r="http://schemas.openxmlformats.org/officeDocument/2006/relationships" xmlns:p="http://schemas.openxmlformats.org/presentationml/2006/main">
+  <p:cSld>
+    <p:spTree>
+      <p:nvGrpSpPr>
+        <p:cNvPr id="1" name=""/>
+        <p:cNvGrpSpPr/>
+        <p:nvPr/>
+      </p:nvGrpSpPr>
+      <p:grpSpPr>
+        <a:xfrm>
+          <a:off x="0" y="0"/>
+          <a:ext cx="0" cy="0"/>
+          <a:chOff x="0" y="0"/>
+          <a:chExt cx="0" cy="0"/>
+        </a:xfrm>
+      </p:grpSpPr>
+      <p:sp>
+        <p:nvSpPr>
+          <p:cNvPr id="2" name="Образ слайда 1"/>
+          <p:cNvSpPr>
+            <a:spLocks noGrp="1" noRot="1" noChangeAspect="1"/>
+          </p:cNvSpPr>
+          <p:nvPr>
+            <p:ph type="sldImg"/>
+          </p:nvPr>
+        </p:nvSpPr>
+        <p:spPr/>
+      </p:sp>
+      <p:sp>
+        <p:nvSpPr>
+          <p:cNvPr id="3" name="Заметки 2"/>
+          <p:cNvSpPr>
+            <a:spLocks noGrp="1"/>
+          </p:cNvSpPr>
+          <p:nvPr>
+            <p:ph type="body" idx="1"/>
+          </p:nvPr>
+        </p:nvSpPr>
+        <p:spPr/>
+        <p:txBody>
+          <a:bodyPr>
+            <a:normAutofit/>
+          </a:bodyPr>
+          <a:lstStyle/>
+          <a:p>
+            <a:endParaRPr lang="ru-RU"/>
+          </a:p>
+        </p:txBody>
+      </p:sp>
+      <p:sp>
+        <p:nvSpPr>
+          <p:cNvPr id="4" name="Номер слайда 3"/>
+          <p:cNvSpPr>
+            <a:spLocks noGrp="1"/>
+          </p:cNvSpPr>
+          <p:nvPr>
+            <p:ph type="sldNum" sz="quarter" idx="10"/>
+          </p:nvPr>
+        </p:nvSpPr>
+        <p:spPr/>
+        <p:txBody>
+          <a:bodyPr/>
+          <a:lstStyle/>
+          <a:p>
+            <a:fld id="{83556EF8-D490-4006-B104-2C9E3870DBDB}" type="slidenum">
+              <a:rPr lang="ru-RU" smtClean="0"/>
+              <a:t>1</a:t>
+            </a:fld>
+            <a:endParaRPr lang="ru-RU"/>
+          </a:p>
+        </p:txBody>
+      </p:sp>
+    </p:spTree>
+  </p:cSld>
+  <p:clrMapOvr>
+    <a:masterClrMapping/>
+  </p:clrMapOvr>
+</p:notes>
+</file>
+
 <file path=ppt/slideLayouts/slideLayout1.xml><?xml version="1.0" encoding="utf-8"?>
 <p:sldLayout xmlns:a="http://schemas.openxmlformats.org/drawingml/2006/main" xmlns:r="http://schemas.openxmlformats.org/officeDocument/2006/relationships" xmlns:p="http://schemas.openxmlformats.org/presentationml/2006/main" showMasterSp="0" type="title" preserve="1">
   <p:cSld name="Титульный слайд">
@@ -774,9 +1205,9 @@
           <a:bodyPr/>
           <a:lstStyle/>
           <a:p>
-            <a:fld id="{A05A7183-A952-49F8-B037-5984CD60536E}" type="datetimeFigureOut">
-              <a:rPr lang="ru-RU" smtClean="0"/>
-              <a:t>07.12.2019</a:t>
+            <a:fld id="{3909BF66-773A-4645-B25B-3B107DD7D7EB}" type="datetime1">
+              <a:rPr lang="ru-RU" smtClean="0"/>
+              <a:t>09.12.2019</a:t>
             </a:fld>
             <a:endParaRPr lang="ru-RU"/>
           </a:p>
@@ -836,6 +1267,7 @@
           <a:p>
             <a:fld id="{071838C0-ED1E-4897-9D5F-700BA0972C23}" type="slidenum">
               <a:rPr lang="ru-RU" smtClean="0"/>
+              <a:pPr/>
               <a:t>‹#›</a:t>
             </a:fld>
             <a:endParaRPr lang="ru-RU"/>
@@ -957,9 +1389,9 @@
           <a:bodyPr/>
           <a:lstStyle/>
           <a:p>
-            <a:fld id="{A05A7183-A952-49F8-B037-5984CD60536E}" type="datetimeFigureOut">
-              <a:rPr lang="ru-RU" smtClean="0"/>
-              <a:t>07.12.2019</a:t>
+            <a:fld id="{91698154-62D4-4808-9486-B992096ADB87}" type="datetime1">
+              <a:rPr lang="ru-RU" smtClean="0"/>
+              <a:t>09.12.2019</a:t>
             </a:fld>
             <a:endParaRPr lang="ru-RU"/>
           </a:p>
@@ -1001,6 +1433,7 @@
           <a:p>
             <a:fld id="{071838C0-ED1E-4897-9D5F-700BA0972C23}" type="slidenum">
               <a:rPr lang="ru-RU" smtClean="0"/>
+              <a:pPr/>
               <a:t>‹#›</a:t>
             </a:fld>
             <a:endParaRPr lang="ru-RU"/>
@@ -1132,9 +1565,9 @@
           <a:bodyPr/>
           <a:lstStyle/>
           <a:p>
-            <a:fld id="{A05A7183-A952-49F8-B037-5984CD60536E}" type="datetimeFigureOut">
-              <a:rPr lang="ru-RU" smtClean="0"/>
-              <a:t>07.12.2019</a:t>
+            <a:fld id="{9F4A1499-A79F-4CDB-9BE1-A8D876FFAB7F}" type="datetime1">
+              <a:rPr lang="ru-RU" smtClean="0"/>
+              <a:t>09.12.2019</a:t>
             </a:fld>
             <a:endParaRPr lang="ru-RU"/>
           </a:p>
@@ -1176,6 +1609,7 @@
           <a:p>
             <a:fld id="{071838C0-ED1E-4897-9D5F-700BA0972C23}" type="slidenum">
               <a:rPr lang="ru-RU" smtClean="0"/>
+              <a:pPr/>
               <a:t>‹#›</a:t>
             </a:fld>
             <a:endParaRPr lang="ru-RU"/>
@@ -1297,9 +1731,9 @@
           <a:bodyPr/>
           <a:lstStyle/>
           <a:p>
-            <a:fld id="{A05A7183-A952-49F8-B037-5984CD60536E}" type="datetimeFigureOut">
-              <a:rPr lang="ru-RU" smtClean="0"/>
-              <a:t>07.12.2019</a:t>
+            <a:fld id="{143DA012-B15F-4265-B64A-CC52D8EB9E94}" type="datetime1">
+              <a:rPr lang="ru-RU" smtClean="0"/>
+              <a:t>09.12.2019</a:t>
             </a:fld>
             <a:endParaRPr lang="ru-RU"/>
           </a:p>
@@ -1341,6 +1775,7 @@
           <a:p>
             <a:fld id="{071838C0-ED1E-4897-9D5F-700BA0972C23}" type="slidenum">
               <a:rPr lang="ru-RU" smtClean="0"/>
+              <a:pPr/>
               <a:t>‹#›</a:t>
             </a:fld>
             <a:endParaRPr lang="ru-RU"/>
@@ -1518,9 +1953,9 @@
           <a:bodyPr/>
           <a:lstStyle/>
           <a:p>
-            <a:fld id="{A05A7183-A952-49F8-B037-5984CD60536E}" type="datetimeFigureOut">
-              <a:rPr lang="ru-RU" smtClean="0"/>
-              <a:t>07.12.2019</a:t>
+            <a:fld id="{0A9F89E7-973D-4DB4-AD4C-D89A75C5C763}" type="datetime1">
+              <a:rPr lang="ru-RU" smtClean="0"/>
+              <a:t>09.12.2019</a:t>
             </a:fld>
             <a:endParaRPr lang="ru-RU"/>
           </a:p>
@@ -1562,6 +1997,7 @@
           <a:p>
             <a:fld id="{071838C0-ED1E-4897-9D5F-700BA0972C23}" type="slidenum">
               <a:rPr lang="ru-RU" smtClean="0"/>
+              <a:pPr/>
               <a:t>‹#›</a:t>
             </a:fld>
             <a:endParaRPr lang="ru-RU"/>
@@ -1777,9 +2213,9 @@
           <a:bodyPr/>
           <a:lstStyle/>
           <a:p>
-            <a:fld id="{A05A7183-A952-49F8-B037-5984CD60536E}" type="datetimeFigureOut">
-              <a:rPr lang="ru-RU" smtClean="0"/>
-              <a:t>07.12.2019</a:t>
+            <a:fld id="{F45FD3E1-DAB0-42E8-951E-982A993D7DD2}" type="datetime1">
+              <a:rPr lang="ru-RU" smtClean="0"/>
+              <a:t>09.12.2019</a:t>
             </a:fld>
             <a:endParaRPr lang="ru-RU"/>
           </a:p>
@@ -1821,6 +2257,7 @@
           <a:p>
             <a:fld id="{071838C0-ED1E-4897-9D5F-700BA0972C23}" type="slidenum">
               <a:rPr lang="ru-RU" smtClean="0"/>
+              <a:pPr/>
               <a:t>‹#›</a:t>
             </a:fld>
             <a:endParaRPr lang="ru-RU"/>
@@ -2181,9 +2618,9 @@
           <a:bodyPr rtlCol="0"/>
           <a:lstStyle/>
           <a:p>
-            <a:fld id="{A05A7183-A952-49F8-B037-5984CD60536E}" type="datetimeFigureOut">
-              <a:rPr lang="ru-RU" smtClean="0"/>
-              <a:t>07.12.2019</a:t>
+            <a:fld id="{D5F91D7A-F9DC-4F96-B5B2-731B89F470EC}" type="datetime1">
+              <a:rPr lang="ru-RU" smtClean="0"/>
+              <a:t>09.12.2019</a:t>
             </a:fld>
             <a:endParaRPr lang="ru-RU"/>
           </a:p>
@@ -2206,6 +2643,7 @@
           <a:p>
             <a:fld id="{071838C0-ED1E-4897-9D5F-700BA0972C23}" type="slidenum">
               <a:rPr lang="ru-RU" smtClean="0"/>
+              <a:pPr/>
               <a:t>‹#›</a:t>
             </a:fld>
             <a:endParaRPr lang="ru-RU"/>
@@ -2312,9 +2750,9 @@
           <a:bodyPr/>
           <a:lstStyle/>
           <a:p>
-            <a:fld id="{A05A7183-A952-49F8-B037-5984CD60536E}" type="datetimeFigureOut">
-              <a:rPr lang="ru-RU" smtClean="0"/>
-              <a:t>07.12.2019</a:t>
+            <a:fld id="{1C02A1F9-978F-4055-9785-6943F2262584}" type="datetime1">
+              <a:rPr lang="ru-RU" smtClean="0"/>
+              <a:t>09.12.2019</a:t>
             </a:fld>
             <a:endParaRPr lang="ru-RU"/>
           </a:p>
@@ -2366,6 +2804,7 @@
           <a:p>
             <a:fld id="{071838C0-ED1E-4897-9D5F-700BA0972C23}" type="slidenum">
               <a:rPr lang="ru-RU" smtClean="0"/>
+              <a:pPr/>
               <a:t>‹#›</a:t>
             </a:fld>
             <a:endParaRPr lang="ru-RU"/>
@@ -2412,9 +2851,9 @@
           <a:bodyPr/>
           <a:lstStyle/>
           <a:p>
-            <a:fld id="{A05A7183-A952-49F8-B037-5984CD60536E}" type="datetimeFigureOut">
-              <a:rPr lang="ru-RU" smtClean="0"/>
-              <a:t>07.12.2019</a:t>
+            <a:fld id="{942102E0-39E0-49C4-A2B2-0CB69F321C32}" type="datetime1">
+              <a:rPr lang="ru-RU" smtClean="0"/>
+              <a:t>09.12.2019</a:t>
             </a:fld>
             <a:endParaRPr lang="ru-RU"/>
           </a:p>
@@ -2456,6 +2895,7 @@
           <a:p>
             <a:fld id="{071838C0-ED1E-4897-9D5F-700BA0972C23}" type="slidenum">
               <a:rPr lang="ru-RU" smtClean="0"/>
+              <a:pPr/>
               <a:t>‹#›</a:t>
             </a:fld>
             <a:endParaRPr lang="ru-RU"/>
@@ -2657,9 +3097,9 @@
           <a:bodyPr/>
           <a:lstStyle/>
           <a:p>
-            <a:fld id="{A05A7183-A952-49F8-B037-5984CD60536E}" type="datetimeFigureOut">
-              <a:rPr lang="ru-RU" smtClean="0"/>
-              <a:t>07.12.2019</a:t>
+            <a:fld id="{DBF4494A-29BF-4C88-ACEC-02B03BDA44E7}" type="datetime1">
+              <a:rPr lang="ru-RU" smtClean="0"/>
+              <a:t>09.12.2019</a:t>
             </a:fld>
             <a:endParaRPr lang="ru-RU"/>
           </a:p>
@@ -2701,6 +3141,7 @@
           <a:p>
             <a:fld id="{071838C0-ED1E-4897-9D5F-700BA0972C23}" type="slidenum">
               <a:rPr lang="ru-RU" smtClean="0"/>
+              <a:pPr/>
               <a:t>‹#›</a:t>
             </a:fld>
             <a:endParaRPr lang="ru-RU"/>
@@ -2901,9 +3342,9 @@
           <a:bodyPr/>
           <a:lstStyle/>
           <a:p>
-            <a:fld id="{A05A7183-A952-49F8-B037-5984CD60536E}" type="datetimeFigureOut">
-              <a:rPr lang="ru-RU" smtClean="0"/>
-              <a:t>07.12.2019</a:t>
+            <a:fld id="{5753A60A-9711-4089-BDA4-E3BDA7A9FDD6}" type="datetime1">
+              <a:rPr lang="ru-RU" smtClean="0"/>
+              <a:t>09.12.2019</a:t>
             </a:fld>
             <a:endParaRPr lang="ru-RU"/>
           </a:p>
@@ -2945,6 +3386,7 @@
           <a:p>
             <a:fld id="{071838C0-ED1E-4897-9D5F-700BA0972C23}" type="slidenum">
               <a:rPr lang="ru-RU" smtClean="0"/>
+              <a:pPr/>
               <a:t>‹#›</a:t>
             </a:fld>
             <a:endParaRPr lang="ru-RU"/>
@@ -3725,9 +4167,9 @@
             </a:lvl1pPr>
           </a:lstStyle>
           <a:p>
-            <a:fld id="{A05A7183-A952-49F8-B037-5984CD60536E}" type="datetimeFigureOut">
-              <a:rPr lang="ru-RU" smtClean="0"/>
-              <a:t>07.12.2019</a:t>
+            <a:fld id="{8E9C0657-6F05-438D-961A-4C3E31220474}" type="datetime1">
+              <a:rPr lang="ru-RU" smtClean="0"/>
+              <a:t>09.12.2019</a:t>
             </a:fld>
             <a:endParaRPr lang="ru-RU"/>
           </a:p>
@@ -3801,6 +4243,7 @@
           <a:p>
             <a:fld id="{071838C0-ED1E-4897-9D5F-700BA0972C23}" type="slidenum">
               <a:rPr lang="ru-RU" smtClean="0"/>
+              <a:pPr/>
               <a:t>‹#›</a:t>
             </a:fld>
             <a:endParaRPr lang="ru-RU"/>
@@ -3823,6 +4266,7 @@
     <p:sldLayoutId id="2147483766" r:id="rId10"/>
     <p:sldLayoutId id="2147483767" r:id="rId11"/>
   </p:sldLayoutIdLst>
+  <p:hf hdr="0" ftr="0" dt="0"/>
   <p:txStyles>
     <p:titleStyle>
       <a:lvl1pPr algn="l" rtl="0" eaLnBrk="1" latinLnBrk="0" hangingPunct="1">
@@ -4163,6 +4607,30 @@
           </a:p>
         </p:txBody>
       </p:sp>
+      <p:sp>
+        <p:nvSpPr>
+          <p:cNvPr id="3" name="Номер слайда 2"/>
+          <p:cNvSpPr>
+            <a:spLocks noGrp="1"/>
+          </p:cNvSpPr>
+          <p:nvPr>
+            <p:ph type="sldNum" sz="quarter" idx="12"/>
+          </p:nvPr>
+        </p:nvSpPr>
+        <p:spPr/>
+        <p:txBody>
+          <a:bodyPr/>
+          <a:lstStyle/>
+          <a:p>
+            <a:fld id="{071838C0-ED1E-4897-9D5F-700BA0972C23}" type="slidenum">
+              <a:rPr lang="ru-RU" smtClean="0"/>
+              <a:pPr/>
+              <a:t>1</a:t>
+            </a:fld>
+            <a:endParaRPr lang="ru-RU"/>
+          </a:p>
+        </p:txBody>
+      </p:sp>
     </p:spTree>
   </p:cSld>
   <p:clrMapOvr>
@@ -4252,11 +4720,7 @@
             </a:r>
             <a:r>
               <a:rPr lang="en-US" b="1" dirty="0" smtClean="0"/>
-              <a:t>Hibernate </a:t>
-            </a:r>
-            <a:r>
-              <a:rPr lang="en-US" b="1" dirty="0" smtClean="0"/>
-              <a:t>Batch</a:t>
+              <a:t>Hibernate Batch</a:t>
             </a:r>
             <a:r>
               <a:rPr lang="en-US" dirty="0" smtClean="0"/>
@@ -4298,6 +4762,30 @@
           </a:ln>
         </p:spPr>
       </p:pic>
+      <p:sp>
+        <p:nvSpPr>
+          <p:cNvPr id="5" name="Номер слайда 4"/>
+          <p:cNvSpPr>
+            <a:spLocks noGrp="1"/>
+          </p:cNvSpPr>
+          <p:nvPr>
+            <p:ph type="sldNum" sz="quarter" idx="12"/>
+          </p:nvPr>
+        </p:nvSpPr>
+        <p:spPr/>
+        <p:txBody>
+          <a:bodyPr/>
+          <a:lstStyle/>
+          <a:p>
+            <a:fld id="{071838C0-ED1E-4897-9D5F-700BA0972C23}" type="slidenum">
+              <a:rPr lang="ru-RU" smtClean="0"/>
+              <a:pPr/>
+              <a:t>10</a:t>
+            </a:fld>
+            <a:endParaRPr lang="ru-RU"/>
+          </a:p>
+        </p:txBody>
+      </p:sp>
     </p:spTree>
   </p:cSld>
   <p:clrMapOvr>
@@ -4429,6 +4917,30 @@
           </a:ln>
         </p:spPr>
       </p:pic>
+      <p:sp>
+        <p:nvSpPr>
+          <p:cNvPr id="5" name="Номер слайда 4"/>
+          <p:cNvSpPr>
+            <a:spLocks noGrp="1"/>
+          </p:cNvSpPr>
+          <p:nvPr>
+            <p:ph type="sldNum" sz="quarter" idx="12"/>
+          </p:nvPr>
+        </p:nvSpPr>
+        <p:spPr/>
+        <p:txBody>
+          <a:bodyPr/>
+          <a:lstStyle/>
+          <a:p>
+            <a:fld id="{071838C0-ED1E-4897-9D5F-700BA0972C23}" type="slidenum">
+              <a:rPr lang="ru-RU" smtClean="0"/>
+              <a:pPr/>
+              <a:t>11</a:t>
+            </a:fld>
+            <a:endParaRPr lang="ru-RU"/>
+          </a:p>
+        </p:txBody>
+      </p:sp>
     </p:spTree>
   </p:cSld>
   <p:clrMapOvr>
@@ -4480,15 +4992,7 @@
           <a:p>
             <a:r>
               <a:rPr lang="en-US" dirty="0" smtClean="0"/>
-              <a:t>JDBC </a:t>
-            </a:r>
-            <a:r>
-              <a:rPr lang="en-US" dirty="0" smtClean="0"/>
-              <a:t>Tuning </a:t>
-            </a:r>
-            <a:r>
-              <a:rPr lang="en-US" dirty="0" smtClean="0"/>
-              <a:t>(*</a:t>
+              <a:t>JDBC Tuning (*</a:t>
             </a:r>
             <a:r>
               <a:rPr lang="en-US" dirty="0" err="1" smtClean="0"/>
@@ -4600,11 +5104,7 @@
             </a:r>
             <a:r>
               <a:rPr lang="en-US" sz="2400" dirty="0" smtClean="0"/>
-              <a:t> </a:t>
-            </a:r>
-            <a:r>
-              <a:rPr lang="en-US" sz="2400" dirty="0" smtClean="0"/>
-              <a:t>= 5</a:t>
+              <a:t> = 5</a:t>
             </a:r>
             <a:r>
               <a:rPr lang="en-US" sz="2000" dirty="0" smtClean="0"/>
@@ -4681,6 +5181,30 @@
           </a:ln>
         </p:spPr>
       </p:pic>
+      <p:sp>
+        <p:nvSpPr>
+          <p:cNvPr id="5" name="Номер слайда 4"/>
+          <p:cNvSpPr>
+            <a:spLocks noGrp="1"/>
+          </p:cNvSpPr>
+          <p:nvPr>
+            <p:ph type="sldNum" sz="quarter" idx="12"/>
+          </p:nvPr>
+        </p:nvSpPr>
+        <p:spPr/>
+        <p:txBody>
+          <a:bodyPr/>
+          <a:lstStyle/>
+          <a:p>
+            <a:fld id="{071838C0-ED1E-4897-9D5F-700BA0972C23}" type="slidenum">
+              <a:rPr lang="ru-RU" smtClean="0"/>
+              <a:pPr/>
+              <a:t>12</a:t>
+            </a:fld>
+            <a:endParaRPr lang="ru-RU"/>
+          </a:p>
+        </p:txBody>
+      </p:sp>
     </p:spTree>
   </p:cSld>
   <p:clrMapOvr>
@@ -4730,19 +5254,7 @@
           <a:p>
             <a:r>
               <a:rPr lang="en-US" dirty="0" smtClean="0"/>
-              <a:t>JPA </a:t>
-            </a:r>
-            <a:r>
-              <a:rPr lang="en-US" dirty="0" smtClean="0"/>
-              <a:t>- Java </a:t>
-            </a:r>
-            <a:r>
-              <a:rPr lang="en-US" dirty="0" smtClean="0"/>
-              <a:t>Persistence </a:t>
-            </a:r>
-            <a:r>
-              <a:rPr lang="en-US" dirty="0" smtClean="0"/>
-              <a:t>API</a:t>
+              <a:t>JPA - Java Persistence API</a:t>
             </a:r>
             <a:endParaRPr lang="ru-RU" dirty="0"/>
           </a:p>
@@ -4774,6 +5286,30 @@
           <a:noFill/>
         </p:spPr>
       </p:pic>
+      <p:sp>
+        <p:nvSpPr>
+          <p:cNvPr id="4" name="Номер слайда 3"/>
+          <p:cNvSpPr>
+            <a:spLocks noGrp="1"/>
+          </p:cNvSpPr>
+          <p:nvPr>
+            <p:ph type="sldNum" sz="quarter" idx="12"/>
+          </p:nvPr>
+        </p:nvSpPr>
+        <p:spPr/>
+        <p:txBody>
+          <a:bodyPr/>
+          <a:lstStyle/>
+          <a:p>
+            <a:fld id="{071838C0-ED1E-4897-9D5F-700BA0972C23}" type="slidenum">
+              <a:rPr lang="ru-RU" smtClean="0"/>
+              <a:pPr/>
+              <a:t>2</a:t>
+            </a:fld>
+            <a:endParaRPr lang="ru-RU"/>
+          </a:p>
+        </p:txBody>
+      </p:sp>
     </p:spTree>
   </p:cSld>
   <p:clrMapOvr>
@@ -4860,6 +5396,30 @@
           </a:prstGeom>
         </p:spPr>
       </p:pic>
+      <p:sp>
+        <p:nvSpPr>
+          <p:cNvPr id="4" name="Номер слайда 3"/>
+          <p:cNvSpPr>
+            <a:spLocks noGrp="1"/>
+          </p:cNvSpPr>
+          <p:nvPr>
+            <p:ph type="sldNum" sz="quarter" idx="12"/>
+          </p:nvPr>
+        </p:nvSpPr>
+        <p:spPr/>
+        <p:txBody>
+          <a:bodyPr/>
+          <a:lstStyle/>
+          <a:p>
+            <a:fld id="{071838C0-ED1E-4897-9D5F-700BA0972C23}" type="slidenum">
+              <a:rPr lang="ru-RU" smtClean="0"/>
+              <a:pPr/>
+              <a:t>3</a:t>
+            </a:fld>
+            <a:endParaRPr lang="ru-RU"/>
+          </a:p>
+        </p:txBody>
+      </p:sp>
     </p:spTree>
   </p:cSld>
   <p:clrMapOvr>
@@ -4905,13 +5465,17 @@
         <p:spPr/>
         <p:txBody>
           <a:bodyPr>
-            <a:normAutofit/>
+            <a:normAutofit fontScale="90000"/>
           </a:bodyPr>
           <a:lstStyle/>
           <a:p>
             <a:r>
               <a:rPr lang="en-US" dirty="0" smtClean="0"/>
-              <a:t>Proxies &amp; </a:t>
+              <a:t>Entities, Proxies </a:t>
+            </a:r>
+            <a:r>
+              <a:rPr lang="en-US" dirty="0" smtClean="0"/>
+              <a:t>&amp; </a:t>
             </a:r>
             <a:r>
               <a:rPr lang="en-US" dirty="0" err="1" smtClean="0"/>
@@ -4990,7 +5554,11 @@
               </a:buClr>
             </a:pPr>
             <a:r>
-              <a:rPr lang="en-US" dirty="0" err="1" smtClean="0"/>
+              <a:rPr lang="en-US" dirty="0" err="1" smtClean="0">
+                <a:solidFill>
+                  <a:srgbClr val="008000"/>
+                </a:solidFill>
+              </a:rPr>
               <a:t>hibernate.bytecode.provider</a:t>
             </a:r>
             <a:r>
@@ -5007,15 +5575,7 @@
             </a:pPr>
             <a:r>
               <a:rPr lang="en-US" dirty="0" smtClean="0"/>
-              <a:t>	</a:t>
-            </a:r>
-            <a:r>
-              <a:rPr lang="en-US" dirty="0" smtClean="0"/>
-              <a:t>			(CGLIB</a:t>
-            </a:r>
-            <a:r>
-              <a:rPr lang="en-US" dirty="0" smtClean="0"/>
-              <a:t>, </a:t>
+              <a:t>				(CGLIB, </a:t>
             </a:r>
             <a:r>
               <a:rPr lang="en-US" dirty="0" err="1" smtClean="0"/>
@@ -5037,6 +5597,30 @@
               <a:rPr lang="en-US" dirty="0" smtClean="0"/>
               <a:t>)</a:t>
             </a:r>
+          </a:p>
+        </p:txBody>
+      </p:sp>
+      <p:sp>
+        <p:nvSpPr>
+          <p:cNvPr id="5" name="Номер слайда 4"/>
+          <p:cNvSpPr>
+            <a:spLocks noGrp="1"/>
+          </p:cNvSpPr>
+          <p:nvPr>
+            <p:ph type="sldNum" sz="quarter" idx="12"/>
+          </p:nvPr>
+        </p:nvSpPr>
+        <p:spPr/>
+        <p:txBody>
+          <a:bodyPr/>
+          <a:lstStyle/>
+          <a:p>
+            <a:fld id="{071838C0-ED1E-4897-9D5F-700BA0972C23}" type="slidenum">
+              <a:rPr lang="ru-RU" smtClean="0"/>
+              <a:pPr/>
+              <a:t>4</a:t>
+            </a:fld>
+            <a:endParaRPr lang="ru-RU"/>
           </a:p>
         </p:txBody>
       </p:sp>
@@ -5121,11 +5705,7 @@
             </a:pPr>
             <a:r>
               <a:rPr lang="en-US" i="1" dirty="0" smtClean="0"/>
-              <a:t>Inserts, in the order they were </a:t>
-            </a:r>
-            <a:r>
-              <a:rPr lang="en-US" i="1" dirty="0" smtClean="0"/>
-              <a:t>performed</a:t>
+              <a:t>Inserts, in the order they were performed</a:t>
             </a:r>
           </a:p>
           <a:p>
@@ -5151,11 +5731,7 @@
             </a:pPr>
             <a:r>
               <a:rPr lang="en-US" i="1" dirty="0" smtClean="0"/>
-              <a:t>Deletion of collection </a:t>
-            </a:r>
-            <a:r>
-              <a:rPr lang="en-US" i="1" dirty="0" smtClean="0"/>
-              <a:t>elements</a:t>
+              <a:t>Deletion of collection elements</a:t>
             </a:r>
           </a:p>
           <a:p>
@@ -5168,11 +5744,7 @@
             </a:pPr>
             <a:r>
               <a:rPr lang="en-US" i="1" dirty="0" smtClean="0"/>
-              <a:t>Insertion of collection </a:t>
-            </a:r>
-            <a:r>
-              <a:rPr lang="en-US" i="1" dirty="0" smtClean="0"/>
-              <a:t>elements</a:t>
+              <a:t>Insertion of collection elements</a:t>
             </a:r>
           </a:p>
           <a:p>
@@ -5185,11 +5757,7 @@
             </a:pPr>
             <a:r>
               <a:rPr lang="en-US" i="1" dirty="0" smtClean="0"/>
-              <a:t>Deletes, in the order they were </a:t>
-            </a:r>
-            <a:r>
-              <a:rPr lang="en-US" i="1" dirty="0" smtClean="0"/>
-              <a:t>performed</a:t>
+              <a:t>Deletes, in the order they were performed</a:t>
             </a:r>
           </a:p>
           <a:p>
@@ -5221,6 +5789,30 @@
               <a:t>AbstractFlushingEventListener#performExecutions</a:t>
             </a:r>
             <a:endParaRPr lang="ru-RU" sz="2600" dirty="0"/>
+          </a:p>
+        </p:txBody>
+      </p:sp>
+      <p:sp>
+        <p:nvSpPr>
+          <p:cNvPr id="4" name="Номер слайда 3"/>
+          <p:cNvSpPr>
+            <a:spLocks noGrp="1"/>
+          </p:cNvSpPr>
+          <p:nvPr>
+            <p:ph type="sldNum" sz="quarter" idx="12"/>
+          </p:nvPr>
+        </p:nvSpPr>
+        <p:spPr/>
+        <p:txBody>
+          <a:bodyPr/>
+          <a:lstStyle/>
+          <a:p>
+            <a:fld id="{071838C0-ED1E-4897-9D5F-700BA0972C23}" type="slidenum">
+              <a:rPr lang="ru-RU" smtClean="0"/>
+              <a:pPr/>
+              <a:t>5</a:t>
+            </a:fld>
+            <a:endParaRPr lang="ru-RU"/>
           </a:p>
         </p:txBody>
       </p:sp>
@@ -5357,11 +5949,7 @@
             </a:r>
             <a:r>
               <a:rPr lang="en-US" dirty="0" smtClean="0"/>
-              <a:t> </a:t>
-            </a:r>
-            <a:r>
-              <a:rPr lang="en-US" dirty="0" smtClean="0"/>
-              <a:t>= </a:t>
+              <a:t> = </a:t>
             </a:r>
             <a:r>
               <a:rPr lang="en-US" b="1" dirty="0" smtClean="0"/>
@@ -5389,21 +5977,12 @@
                   <a:srgbClr val="808000"/>
                 </a:solidFill>
               </a:rPr>
-              <a:t>@</a:t>
-            </a:r>
-            <a:r>
-              <a:rPr lang="en-US" dirty="0" smtClean="0">
-                <a:solidFill>
-                  <a:srgbClr val="808000"/>
-                </a:solidFill>
-              </a:rPr>
-              <a:t>Immutable </a:t>
+              <a:t>@Immutable </a:t>
             </a:r>
             <a:r>
               <a:rPr lang="en-US" dirty="0" smtClean="0"/>
               <a:t>on Entity</a:t>
             </a:r>
-            <a:endParaRPr lang="en-US" dirty="0" smtClean="0"/>
           </a:p>
           <a:p>
             <a:pPr>
@@ -5418,11 +5997,7 @@
             </a:pPr>
             <a:r>
               <a:rPr lang="en-US" dirty="0" smtClean="0"/>
-              <a:t>Read only </a:t>
-            </a:r>
-            <a:r>
-              <a:rPr lang="en-US" dirty="0" smtClean="0"/>
-              <a:t>Queries</a:t>
+              <a:t>Read only Queries</a:t>
             </a:r>
           </a:p>
           <a:p>
@@ -5438,11 +6013,7 @@
             </a:pPr>
             <a:r>
               <a:rPr lang="en-US" dirty="0" smtClean="0"/>
-              <a:t>Stateless </a:t>
-            </a:r>
-            <a:r>
-              <a:rPr lang="en-US" dirty="0" smtClean="0"/>
-              <a:t>Session</a:t>
+              <a:t>Stateless Session</a:t>
             </a:r>
           </a:p>
           <a:p>
@@ -5517,6 +6088,30 @@
               <a:buChar char="•"/>
             </a:pPr>
             <a:endParaRPr lang="ru-RU" dirty="0"/>
+          </a:p>
+        </p:txBody>
+      </p:sp>
+      <p:sp>
+        <p:nvSpPr>
+          <p:cNvPr id="4" name="Номер слайда 3"/>
+          <p:cNvSpPr>
+            <a:spLocks noGrp="1"/>
+          </p:cNvSpPr>
+          <p:nvPr>
+            <p:ph type="sldNum" sz="quarter" idx="12"/>
+          </p:nvPr>
+        </p:nvSpPr>
+        <p:spPr/>
+        <p:txBody>
+          <a:bodyPr/>
+          <a:lstStyle/>
+          <a:p>
+            <a:fld id="{071838C0-ED1E-4897-9D5F-700BA0972C23}" type="slidenum">
+              <a:rPr lang="ru-RU" smtClean="0"/>
+              <a:pPr/>
+              <a:t>6</a:t>
+            </a:fld>
+            <a:endParaRPr lang="ru-RU"/>
           </a:p>
         </p:txBody>
       </p:sp>
@@ -5576,6 +6171,30 @@
           </a:prstGeom>
         </p:spPr>
       </p:pic>
+      <p:sp>
+        <p:nvSpPr>
+          <p:cNvPr id="3" name="Номер слайда 2"/>
+          <p:cNvSpPr>
+            <a:spLocks noGrp="1"/>
+          </p:cNvSpPr>
+          <p:nvPr>
+            <p:ph type="sldNum" sz="quarter" idx="12"/>
+          </p:nvPr>
+        </p:nvSpPr>
+        <p:spPr/>
+        <p:txBody>
+          <a:bodyPr/>
+          <a:lstStyle/>
+          <a:p>
+            <a:fld id="{071838C0-ED1E-4897-9D5F-700BA0972C23}" type="slidenum">
+              <a:rPr lang="ru-RU" smtClean="0"/>
+              <a:pPr/>
+              <a:t>7</a:t>
+            </a:fld>
+            <a:endParaRPr lang="ru-RU"/>
+          </a:p>
+        </p:txBody>
+      </p:sp>
     </p:spTree>
   </p:cSld>
   <p:clrMapOvr>
@@ -5702,15 +6321,7 @@
                   <a:srgbClr val="808000"/>
                 </a:solidFill>
               </a:rPr>
-              <a:t> </a:t>
-            </a:r>
-            <a:r>
-              <a:rPr lang="en-US" dirty="0" smtClean="0">
-                <a:solidFill>
-                  <a:srgbClr val="808000"/>
-                </a:solidFill>
-              </a:rPr>
-              <a:t>@</a:t>
+              <a:t> @</a:t>
             </a:r>
             <a:r>
               <a:rPr lang="en-US" dirty="0" err="1" smtClean="0">
@@ -5738,15 +6349,7 @@
                   <a:srgbClr val="808000"/>
                 </a:solidFill>
               </a:rPr>
-              <a:t> </a:t>
-            </a:r>
-            <a:r>
-              <a:rPr lang="en-US" dirty="0" smtClean="0">
-                <a:solidFill>
-                  <a:srgbClr val="808000"/>
-                </a:solidFill>
-              </a:rPr>
-              <a:t>@</a:t>
+              <a:t> @</a:t>
             </a:r>
             <a:r>
               <a:rPr lang="en-US" dirty="0" err="1" smtClean="0">
@@ -5817,7 +6420,7 @@
               </a:rPr>
               <a:t>DynamicUpdate</a:t>
             </a:r>
-            <a:endParaRPr lang="en-US" dirty="0" smtClean="0">
+            <a:endParaRPr lang="ru-RU" dirty="0" smtClean="0">
               <a:solidFill>
                 <a:srgbClr val="808000"/>
               </a:solidFill>
@@ -5836,48 +6439,9 @@
             </a:pPr>
             <a:r>
               <a:rPr lang="en-US" dirty="0" smtClean="0"/>
-              <a:t>Child mappings (</a:t>
-            </a:r>
-            <a:r>
-              <a:rPr lang="en-US" dirty="0" smtClean="0">
-                <a:solidFill>
-                  <a:srgbClr val="808000"/>
-                </a:solidFill>
-              </a:rPr>
-              <a:t>@</a:t>
-            </a:r>
-            <a:r>
-              <a:rPr lang="en-US" dirty="0" err="1" smtClean="0">
-                <a:solidFill>
-                  <a:srgbClr val="808000"/>
-                </a:solidFill>
-              </a:rPr>
-              <a:t>OneToXXX</a:t>
-            </a:r>
-            <a:r>
-              <a:rPr lang="en-US" dirty="0" smtClean="0"/>
-              <a:t> / </a:t>
-            </a:r>
-            <a:r>
-              <a:rPr lang="en-US" dirty="0" smtClean="0">
-                <a:solidFill>
-                  <a:srgbClr val="808000"/>
-                </a:solidFill>
-              </a:rPr>
-              <a:t>@</a:t>
-            </a:r>
-            <a:r>
-              <a:rPr lang="en-US" dirty="0" err="1" smtClean="0">
-                <a:solidFill>
-                  <a:srgbClr val="808000"/>
-                </a:solidFill>
-              </a:rPr>
-              <a:t>ManyToXXX</a:t>
-            </a:r>
-            <a:r>
-              <a:rPr lang="en-US" dirty="0" smtClean="0"/>
-              <a:t>)</a:t>
-            </a:r>
+              <a:t>Native queries</a:t>
+            </a:r>
+            <a:endParaRPr lang="en-US" dirty="0" smtClean="0"/>
           </a:p>
           <a:p>
             <a:pPr>
@@ -5892,17 +6456,48 @@
             </a:pPr>
             <a:r>
               <a:rPr lang="en-US" dirty="0" smtClean="0"/>
-              <a:t>Queries with </a:t>
+              <a:t>Child mappings (</a:t>
+            </a:r>
+            <a:r>
+              <a:rPr lang="en-US" dirty="0" smtClean="0">
+                <a:solidFill>
+                  <a:srgbClr val="808000"/>
+                </a:solidFill>
+              </a:rPr>
+              <a:t>@</a:t>
+            </a:r>
+            <a:r>
+              <a:rPr lang="en-US" dirty="0" err="1" smtClean="0">
+                <a:solidFill>
+                  <a:srgbClr val="808000"/>
+                </a:solidFill>
+              </a:rPr>
+              <a:t>OneToXXX</a:t>
             </a:r>
             <a:r>
               <a:rPr lang="en-US" dirty="0" smtClean="0"/>
-              <a:t>DTO projections</a:t>
-            </a:r>
-            <a:endParaRPr lang="en-US" dirty="0" smtClean="0">
-              <a:solidFill>
-                <a:srgbClr val="808000"/>
-              </a:solidFill>
-            </a:endParaRPr>
+              <a:t> / </a:t>
+            </a:r>
+            <a:r>
+              <a:rPr lang="en-US" dirty="0" smtClean="0">
+                <a:solidFill>
+                  <a:srgbClr val="808000"/>
+                </a:solidFill>
+              </a:rPr>
+              <a:t>@</a:t>
+            </a:r>
+            <a:r>
+              <a:rPr lang="en-US" dirty="0" err="1" smtClean="0">
+                <a:solidFill>
+                  <a:srgbClr val="808000"/>
+                </a:solidFill>
+              </a:rPr>
+              <a:t>ManyToXXX</a:t>
+            </a:r>
+            <a:r>
+              <a:rPr lang="en-US" dirty="0" smtClean="0"/>
+              <a:t>)</a:t>
+            </a:r>
           </a:p>
           <a:p>
             <a:pPr>
@@ -5917,8 +6512,13 @@
             </a:pPr>
             <a:r>
               <a:rPr lang="en-US" dirty="0" smtClean="0"/>
-              <a:t>Fetching &amp; Batching</a:t>
-            </a:r>
+              <a:t>Queries with DTO projections</a:t>
+            </a:r>
+            <a:endParaRPr lang="en-US" dirty="0" smtClean="0">
+              <a:solidFill>
+                <a:srgbClr val="808000"/>
+              </a:solidFill>
+            </a:endParaRPr>
           </a:p>
           <a:p>
             <a:pPr>
@@ -5933,9 +6533,49 @@
             </a:pPr>
             <a:r>
               <a:rPr lang="en-US" dirty="0" smtClean="0"/>
+              <a:t>Fetching &amp; Batching</a:t>
+            </a:r>
+          </a:p>
+          <a:p>
+            <a:pPr>
+              <a:lnSpc>
+                <a:spcPts val="4300"/>
+              </a:lnSpc>
+              <a:buClr>
+                <a:schemeClr val="accent4">
+                  <a:lumMod val="75000"/>
+                </a:schemeClr>
+              </a:buClr>
+            </a:pPr>
+            <a:r>
+              <a:rPr lang="en-US" dirty="0" smtClean="0"/>
               <a:t>JDBC Tuning</a:t>
             </a:r>
             <a:endParaRPr lang="ru-RU" dirty="0"/>
+          </a:p>
+        </p:txBody>
+      </p:sp>
+      <p:sp>
+        <p:nvSpPr>
+          <p:cNvPr id="4" name="Номер слайда 3"/>
+          <p:cNvSpPr>
+            <a:spLocks noGrp="1"/>
+          </p:cNvSpPr>
+          <p:nvPr>
+            <p:ph type="sldNum" sz="quarter" idx="12"/>
+          </p:nvPr>
+        </p:nvSpPr>
+        <p:spPr/>
+        <p:txBody>
+          <a:bodyPr/>
+          <a:lstStyle/>
+          <a:p>
+            <a:fld id="{071838C0-ED1E-4897-9D5F-700BA0972C23}" type="slidenum">
+              <a:rPr lang="ru-RU" smtClean="0"/>
+              <a:pPr/>
+              <a:t>8</a:t>
+            </a:fld>
+            <a:endParaRPr lang="ru-RU"/>
           </a:p>
         </p:txBody>
       </p:sp>
@@ -5988,11 +6628,7 @@
           <a:p>
             <a:r>
               <a:rPr lang="en-US" dirty="0" smtClean="0"/>
-              <a:t>DTO </a:t>
-            </a:r>
-            <a:r>
-              <a:rPr lang="en-US" dirty="0" smtClean="0"/>
-              <a:t>Projections</a:t>
+              <a:t>DTO Projections</a:t>
             </a:r>
             <a:endParaRPr lang="ru-RU" dirty="0"/>
           </a:p>
@@ -6110,6 +6746,30 @@
               </a:buClr>
             </a:pPr>
             <a:endParaRPr lang="ru-RU" dirty="0"/>
+          </a:p>
+        </p:txBody>
+      </p:sp>
+      <p:sp>
+        <p:nvSpPr>
+          <p:cNvPr id="4" name="Номер слайда 3"/>
+          <p:cNvSpPr>
+            <a:spLocks noGrp="1"/>
+          </p:cNvSpPr>
+          <p:nvPr>
+            <p:ph type="sldNum" sz="quarter" idx="12"/>
+          </p:nvPr>
+        </p:nvSpPr>
+        <p:spPr/>
+        <p:txBody>
+          <a:bodyPr/>
+          <a:lstStyle/>
+          <a:p>
+            <a:fld id="{071838C0-ED1E-4897-9D5F-700BA0972C23}" type="slidenum">
+              <a:rPr lang="ru-RU" smtClean="0"/>
+              <a:pPr/>
+              <a:t>9</a:t>
+            </a:fld>
+            <a:endParaRPr lang="ru-RU"/>
           </a:p>
         </p:txBody>
       </p:sp>
@@ -6406,4 +7066,287 @@
   <a:objectDefaults/>
   <a:extraClrSchemeLst/>
 </a:theme>
+</file>
+
+<file path=ppt/theme/theme2.xml><?xml version="1.0" encoding="utf-8"?>
+<a:theme xmlns:a="http://schemas.openxmlformats.org/drawingml/2006/main" name="Тема Office">
+  <a:themeElements>
+    <a:clrScheme name="Стандартная">
+      <a:dk1>
+        <a:sysClr val="windowText" lastClr="000000"/>
+      </a:dk1>
+      <a:lt1>
+        <a:sysClr val="window" lastClr="FFFFFF"/>
+      </a:lt1>
+      <a:dk2>
+        <a:srgbClr val="1F497D"/>
+      </a:dk2>
+      <a:lt2>
+        <a:srgbClr val="EEECE1"/>
+      </a:lt2>
+      <a:accent1>
+        <a:srgbClr val="4F81BD"/>
+      </a:accent1>
+      <a:accent2>
+        <a:srgbClr val="C0504D"/>
+      </a:accent2>
+      <a:accent3>
+        <a:srgbClr val="9BBB59"/>
+      </a:accent3>
+      <a:accent4>
+        <a:srgbClr val="8064A2"/>
+      </a:accent4>
+      <a:accent5>
+        <a:srgbClr val="4BACC6"/>
+      </a:accent5>
+      <a:accent6>
+        <a:srgbClr val="F79646"/>
+      </a:accent6>
+      <a:hlink>
+        <a:srgbClr val="0000FF"/>
+      </a:hlink>
+      <a:folHlink>
+        <a:srgbClr val="800080"/>
+      </a:folHlink>
+    </a:clrScheme>
+    <a:fontScheme name="Стандартная">
+      <a:majorFont>
+        <a:latin typeface="Calibri"/>
+        <a:ea typeface=""/>
+        <a:cs typeface=""/>
+        <a:font script="Jpan" typeface="ＭＳ Ｐゴシック"/>
+        <a:font script="Hang" typeface="맑은 고딕"/>
+        <a:font script="Hans" typeface="宋体"/>
+        <a:font script="Hant" typeface="新細明體"/>
+        <a:font script="Arab" typeface="Times New Roman"/>
+        <a:font script="Hebr" typeface="Times New Roman"/>
+        <a:font script="Thai" typeface="Angsana New"/>
+        <a:font script="Ethi" typeface="Nyala"/>
+        <a:font script="Beng" typeface="Vrinda"/>
+        <a:font script="Gujr" typeface="Shruti"/>
+        <a:font script="Khmr" typeface="MoolBoran"/>
+        <a:font script="Knda" typeface="Tunga"/>
+        <a:font script="Guru" typeface="Raavi"/>
+        <a:font script="Cans" typeface="Euphemia"/>
+        <a:font script="Cher" typeface="Plantagenet Cherokee"/>
+        <a:font script="Yiii" typeface="Microsoft Yi Baiti"/>
+        <a:font script="Tibt" typeface="Microsoft Himalaya"/>
+        <a:font script="Thaa" typeface="MV Boli"/>
+        <a:font script="Deva" typeface="Mangal"/>
+        <a:font script="Telu" typeface="Gautami"/>
+        <a:font script="Taml" typeface="Latha"/>
+        <a:font script="Syrc" typeface="Estrangelo Edessa"/>
+        <a:font script="Orya" typeface="Kalinga"/>
+        <a:font script="Mlym" typeface="Kartika"/>
+        <a:font script="Laoo" typeface="DokChampa"/>
+        <a:font script="Sinh" typeface="Iskoola Pota"/>
+        <a:font script="Mong" typeface="Mongolian Baiti"/>
+        <a:font script="Viet" typeface="Times New Roman"/>
+        <a:font script="Uigh" typeface="Microsoft Uighur"/>
+      </a:majorFont>
+      <a:minorFont>
+        <a:latin typeface="Calibri"/>
+        <a:ea typeface=""/>
+        <a:cs typeface=""/>
+        <a:font script="Jpan" typeface="ＭＳ Ｐゴシック"/>
+        <a:font script="Hang" typeface="맑은 고딕"/>
+        <a:font script="Hans" typeface="宋体"/>
+        <a:font script="Hant" typeface="新細明體"/>
+        <a:font script="Arab" typeface="Arial"/>
+        <a:font script="Hebr" typeface="Arial"/>
+        <a:font script="Thai" typeface="Cordia New"/>
+        <a:font script="Ethi" typeface="Nyala"/>
+        <a:font script="Beng" typeface="Vrinda"/>
+        <a:font script="Gujr" typeface="Shruti"/>
+        <a:font script="Khmr" typeface="DaunPenh"/>
+        <a:font script="Knda" typeface="Tunga"/>
+        <a:font script="Guru" typeface="Raavi"/>
+        <a:font script="Cans" typeface="Euphemia"/>
+        <a:font script="Cher" typeface="Plantagenet Cherokee"/>
+        <a:font script="Yiii" typeface="Microsoft Yi Baiti"/>
+        <a:font script="Tibt" typeface="Microsoft Himalaya"/>
+        <a:font script="Thaa" typeface="MV Boli"/>
+        <a:font script="Deva" typeface="Mangal"/>
+        <a:font script="Telu" typeface="Gautami"/>
+        <a:font script="Taml" typeface="Latha"/>
+        <a:font script="Syrc" typeface="Estrangelo Edessa"/>
+        <a:font script="Orya" typeface="Kalinga"/>
+        <a:font script="Mlym" typeface="Kartika"/>
+        <a:font script="Laoo" typeface="DokChampa"/>
+        <a:font script="Sinh" typeface="Iskoola Pota"/>
+        <a:font script="Mong" typeface="Mongolian Baiti"/>
+        <a:font script="Viet" typeface="Arial"/>
+        <a:font script="Uigh" typeface="Microsoft Uighur"/>
+      </a:minorFont>
+    </a:fontScheme>
+    <a:fmtScheme name="Стандартная">
+      <a:fillStyleLst>
+        <a:solidFill>
+          <a:schemeClr val="phClr"/>
+        </a:solidFill>
+        <a:gradFill rotWithShape="1">
+          <a:gsLst>
+            <a:gs pos="0">
+              <a:schemeClr val="phClr">
+                <a:tint val="50000"/>
+                <a:satMod val="300000"/>
+              </a:schemeClr>
+            </a:gs>
+            <a:gs pos="35000">
+              <a:schemeClr val="phClr">
+                <a:tint val="37000"/>
+                <a:satMod val="300000"/>
+              </a:schemeClr>
+            </a:gs>
+            <a:gs pos="100000">
+              <a:schemeClr val="phClr">
+                <a:tint val="15000"/>
+                <a:satMod val="350000"/>
+              </a:schemeClr>
+            </a:gs>
+          </a:gsLst>
+          <a:lin ang="16200000" scaled="1"/>
+        </a:gradFill>
+        <a:gradFill rotWithShape="1">
+          <a:gsLst>
+            <a:gs pos="0">
+              <a:schemeClr val="phClr">
+                <a:shade val="51000"/>
+                <a:satMod val="130000"/>
+              </a:schemeClr>
+            </a:gs>
+            <a:gs pos="80000">
+              <a:schemeClr val="phClr">
+                <a:shade val="93000"/>
+                <a:satMod val="130000"/>
+              </a:schemeClr>
+            </a:gs>
+            <a:gs pos="100000">
+              <a:schemeClr val="phClr">
+                <a:shade val="94000"/>
+                <a:satMod val="135000"/>
+              </a:schemeClr>
+            </a:gs>
+          </a:gsLst>
+          <a:lin ang="16200000" scaled="0"/>
+        </a:gradFill>
+      </a:fillStyleLst>
+      <a:lnStyleLst>
+        <a:ln w="9525" cap="flat" cmpd="sng" algn="ctr">
+          <a:solidFill>
+            <a:schemeClr val="phClr">
+              <a:shade val="95000"/>
+              <a:satMod val="105000"/>
+            </a:schemeClr>
+          </a:solidFill>
+          <a:prstDash val="solid"/>
+        </a:ln>
+        <a:ln w="25400" cap="flat" cmpd="sng" algn="ctr">
+          <a:solidFill>
+            <a:schemeClr val="phClr"/>
+          </a:solidFill>
+          <a:prstDash val="solid"/>
+        </a:ln>
+        <a:ln w="38100" cap="flat" cmpd="sng" algn="ctr">
+          <a:solidFill>
+            <a:schemeClr val="phClr"/>
+          </a:solidFill>
+          <a:prstDash val="solid"/>
+        </a:ln>
+      </a:lnStyleLst>
+      <a:effectStyleLst>
+        <a:effectStyle>
+          <a:effectLst>
+            <a:outerShdw blurRad="40000" dist="20000" dir="5400000" rotWithShape="0">
+              <a:srgbClr val="000000">
+                <a:alpha val="38000"/>
+              </a:srgbClr>
+            </a:outerShdw>
+          </a:effectLst>
+        </a:effectStyle>
+        <a:effectStyle>
+          <a:effectLst>
+            <a:outerShdw blurRad="40000" dist="23000" dir="5400000" rotWithShape="0">
+              <a:srgbClr val="000000">
+                <a:alpha val="35000"/>
+              </a:srgbClr>
+            </a:outerShdw>
+          </a:effectLst>
+        </a:effectStyle>
+        <a:effectStyle>
+          <a:effectLst>
+            <a:outerShdw blurRad="40000" dist="23000" dir="5400000" rotWithShape="0">
+              <a:srgbClr val="000000">
+                <a:alpha val="35000"/>
+              </a:srgbClr>
+            </a:outerShdw>
+          </a:effectLst>
+          <a:scene3d>
+            <a:camera prst="orthographicFront">
+              <a:rot lat="0" lon="0" rev="0"/>
+            </a:camera>
+            <a:lightRig rig="threePt" dir="t">
+              <a:rot lat="0" lon="0" rev="1200000"/>
+            </a:lightRig>
+          </a:scene3d>
+          <a:sp3d>
+            <a:bevelT w="63500" h="25400"/>
+          </a:sp3d>
+        </a:effectStyle>
+      </a:effectStyleLst>
+      <a:bgFillStyleLst>
+        <a:solidFill>
+          <a:schemeClr val="phClr"/>
+        </a:solidFill>
+        <a:gradFill rotWithShape="1">
+          <a:gsLst>
+            <a:gs pos="0">
+              <a:schemeClr val="phClr">
+                <a:tint val="40000"/>
+                <a:satMod val="350000"/>
+              </a:schemeClr>
+            </a:gs>
+            <a:gs pos="40000">
+              <a:schemeClr val="phClr">
+                <a:tint val="45000"/>
+                <a:shade val="99000"/>
+                <a:satMod val="350000"/>
+              </a:schemeClr>
+            </a:gs>
+            <a:gs pos="100000">
+              <a:schemeClr val="phClr">
+                <a:shade val="20000"/>
+                <a:satMod val="255000"/>
+              </a:schemeClr>
+            </a:gs>
+          </a:gsLst>
+          <a:path path="circle">
+            <a:fillToRect l="50000" t="-80000" r="50000" b="180000"/>
+          </a:path>
+        </a:gradFill>
+        <a:gradFill rotWithShape="1">
+          <a:gsLst>
+            <a:gs pos="0">
+              <a:schemeClr val="phClr">
+                <a:tint val="80000"/>
+                <a:satMod val="300000"/>
+              </a:schemeClr>
+            </a:gs>
+            <a:gs pos="100000">
+              <a:schemeClr val="phClr">
+                <a:shade val="30000"/>
+                <a:satMod val="200000"/>
+              </a:schemeClr>
+            </a:gs>
+          </a:gsLst>
+          <a:path path="circle">
+            <a:fillToRect l="50000" t="50000" r="50000" b="50000"/>
+          </a:path>
+        </a:gradFill>
+      </a:bgFillStyleLst>
+    </a:fmtScheme>
+  </a:themeElements>
+  <a:objectDefaults/>
+  <a:extraClrSchemeLst/>
+</a:theme>
 </file>
--- a/stuff/Hibernate.pptx
+++ b/stuff/Hibernate.pptx
@@ -5,7 +5,7 @@
     <p:sldMasterId id="2147483756" r:id="rId1"/>
   </p:sldMasterIdLst>
   <p:notesMasterIdLst>
-    <p:notesMasterId r:id="rId14"/>
+    <p:notesMasterId r:id="rId15"/>
   </p:notesMasterIdLst>
   <p:sldIdLst>
     <p:sldId id="256" r:id="rId2"/>
@@ -20,6 +20,7 @@
     <p:sldId id="262" r:id="rId11"/>
     <p:sldId id="263" r:id="rId12"/>
     <p:sldId id="264" r:id="rId13"/>
+    <p:sldId id="268" r:id="rId14"/>
   </p:sldIdLst>
   <p:sldSz cx="9144000" cy="6858000" type="screen4x3"/>
   <p:notesSz cx="6858000" cy="9144000"/>
@@ -118,6 +119,22 @@
       </a:defRPr>
     </a:lvl9pPr>
   </p:defaultTextStyle>
+  <p:extLst>
+    <p:ext uri="{EFAFB233-063F-42B5-8137-9DF3F51BA10A}">
+      <p15:sldGuideLst xmlns:p15="http://schemas.microsoft.com/office/powerpoint/2012/main">
+        <p15:guide id="1" orient="horz" pos="2160">
+          <p15:clr>
+            <a:srgbClr val="A4A3A4"/>
+          </p15:clr>
+        </p15:guide>
+        <p15:guide id="2" pos="2880">
+          <p15:clr>
+            <a:srgbClr val="A4A3A4"/>
+          </p15:clr>
+        </p15:guide>
+      </p15:sldGuideLst>
+    </p:ext>
+  </p:extLst>
 </p:presentation>
 </file>
 
@@ -203,7 +220,7 @@
           <a:p>
             <a:fld id="{58772C0A-BCF3-4968-BCB0-2B2675456326}" type="datetimeFigureOut">
               <a:rPr lang="ru-RU" smtClean="0"/>
-              <a:t>09.12.2019</a:t>
+              <a:t>10.12.2019</a:t>
             </a:fld>
             <a:endParaRPr lang="ru-RU"/>
           </a:p>
@@ -269,38 +286,37 @@
           <a:p>
             <a:pPr lvl="0"/>
             <a:r>
-              <a:rPr lang="ru-RU" smtClean="0"/>
+              <a:rPr lang="ru-RU"/>
               <a:t>Образец текста</a:t>
             </a:r>
           </a:p>
           <a:p>
             <a:pPr lvl="1"/>
             <a:r>
-              <a:rPr lang="ru-RU" smtClean="0"/>
+              <a:rPr lang="ru-RU"/>
               <a:t>Второй уровень</a:t>
             </a:r>
           </a:p>
           <a:p>
             <a:pPr lvl="2"/>
             <a:r>
-              <a:rPr lang="ru-RU" smtClean="0"/>
+              <a:rPr lang="ru-RU"/>
               <a:t>Третий уровень</a:t>
             </a:r>
           </a:p>
           <a:p>
             <a:pPr lvl="3"/>
             <a:r>
-              <a:rPr lang="ru-RU" smtClean="0"/>
+              <a:rPr lang="ru-RU"/>
               <a:t>Четвертый уровень</a:t>
             </a:r>
           </a:p>
           <a:p>
             <a:pPr lvl="4"/>
             <a:r>
-              <a:rPr lang="ru-RU" smtClean="0"/>
+              <a:rPr lang="ru-RU"/>
               <a:t>Пятый уровень</a:t>
             </a:r>
-            <a:endParaRPr lang="ru-RU"/>
           </a:p>
         </p:txBody>
       </p:sp>
@@ -1117,7 +1133,7 @@
           </a:lstStyle>
           <a:p>
             <a:r>
-              <a:rPr kumimoji="0" lang="ru-RU" smtClean="0"/>
+              <a:rPr kumimoji="0" lang="ru-RU"/>
               <a:t>Образец заголовка</a:t>
             </a:r>
             <a:endParaRPr kumimoji="0" lang="en-US"/>
@@ -1178,7 +1194,7 @@
           </a:lstStyle>
           <a:p>
             <a:r>
-              <a:rPr kumimoji="0" lang="ru-RU" smtClean="0"/>
+              <a:rPr kumimoji="0" lang="ru-RU"/>
               <a:t>Образец подзаголовка</a:t>
             </a:r>
             <a:endParaRPr kumimoji="0" lang="en-US"/>
@@ -1207,7 +1223,7 @@
           <a:p>
             <a:fld id="{3909BF66-773A-4645-B25B-3B107DD7D7EB}" type="datetime1">
               <a:rPr lang="ru-RU" smtClean="0"/>
-              <a:t>09.12.2019</a:t>
+              <a:t>10.12.2019</a:t>
             </a:fld>
             <a:endParaRPr lang="ru-RU"/>
           </a:p>
@@ -1315,7 +1331,7 @@
           <a:lstStyle/>
           <a:p>
             <a:r>
-              <a:rPr kumimoji="0" lang="ru-RU" smtClean="0"/>
+              <a:rPr kumimoji="0" lang="ru-RU"/>
               <a:t>Образец заголовка</a:t>
             </a:r>
             <a:endParaRPr kumimoji="0" lang="en-US"/>
@@ -1339,35 +1355,35 @@
           <a:p>
             <a:pPr lvl="0" eaLnBrk="1" latinLnBrk="0" hangingPunct="1"/>
             <a:r>
-              <a:rPr lang="ru-RU" smtClean="0"/>
+              <a:rPr lang="ru-RU"/>
               <a:t>Образец текста</a:t>
             </a:r>
           </a:p>
           <a:p>
             <a:pPr lvl="1" eaLnBrk="1" latinLnBrk="0" hangingPunct="1"/>
             <a:r>
-              <a:rPr lang="ru-RU" smtClean="0"/>
+              <a:rPr lang="ru-RU"/>
               <a:t>Второй уровень</a:t>
             </a:r>
           </a:p>
           <a:p>
             <a:pPr lvl="2" eaLnBrk="1" latinLnBrk="0" hangingPunct="1"/>
             <a:r>
-              <a:rPr lang="ru-RU" smtClean="0"/>
+              <a:rPr lang="ru-RU"/>
               <a:t>Третий уровень</a:t>
             </a:r>
           </a:p>
           <a:p>
             <a:pPr lvl="3" eaLnBrk="1" latinLnBrk="0" hangingPunct="1"/>
             <a:r>
-              <a:rPr lang="ru-RU" smtClean="0"/>
+              <a:rPr lang="ru-RU"/>
               <a:t>Четвертый уровень</a:t>
             </a:r>
           </a:p>
           <a:p>
             <a:pPr lvl="4" eaLnBrk="1" latinLnBrk="0" hangingPunct="1"/>
             <a:r>
-              <a:rPr lang="ru-RU" smtClean="0"/>
+              <a:rPr lang="ru-RU"/>
               <a:t>Пятый уровень</a:t>
             </a:r>
             <a:endParaRPr kumimoji="0" lang="en-US"/>
@@ -1391,7 +1407,7 @@
           <a:p>
             <a:fld id="{91698154-62D4-4808-9486-B992096ADB87}" type="datetime1">
               <a:rPr lang="ru-RU" smtClean="0"/>
-              <a:t>09.12.2019</a:t>
+              <a:t>10.12.2019</a:t>
             </a:fld>
             <a:endParaRPr lang="ru-RU"/>
           </a:p>
@@ -1486,7 +1502,7 @@
           <a:lstStyle/>
           <a:p>
             <a:r>
-              <a:rPr kumimoji="0" lang="ru-RU" smtClean="0"/>
+              <a:rPr kumimoji="0" lang="ru-RU"/>
               <a:t>Образец заголовка</a:t>
             </a:r>
             <a:endParaRPr kumimoji="0" lang="en-US"/>
@@ -1515,35 +1531,35 @@
           <a:p>
             <a:pPr lvl="0" eaLnBrk="1" latinLnBrk="0" hangingPunct="1"/>
             <a:r>
-              <a:rPr lang="ru-RU" smtClean="0"/>
+              <a:rPr lang="ru-RU"/>
               <a:t>Образец текста</a:t>
             </a:r>
           </a:p>
           <a:p>
             <a:pPr lvl="1" eaLnBrk="1" latinLnBrk="0" hangingPunct="1"/>
             <a:r>
-              <a:rPr lang="ru-RU" smtClean="0"/>
+              <a:rPr lang="ru-RU"/>
               <a:t>Второй уровень</a:t>
             </a:r>
           </a:p>
           <a:p>
             <a:pPr lvl="2" eaLnBrk="1" latinLnBrk="0" hangingPunct="1"/>
             <a:r>
-              <a:rPr lang="ru-RU" smtClean="0"/>
+              <a:rPr lang="ru-RU"/>
               <a:t>Третий уровень</a:t>
             </a:r>
           </a:p>
           <a:p>
             <a:pPr lvl="3" eaLnBrk="1" latinLnBrk="0" hangingPunct="1"/>
             <a:r>
-              <a:rPr lang="ru-RU" smtClean="0"/>
+              <a:rPr lang="ru-RU"/>
               <a:t>Четвертый уровень</a:t>
             </a:r>
           </a:p>
           <a:p>
             <a:pPr lvl="4" eaLnBrk="1" latinLnBrk="0" hangingPunct="1"/>
             <a:r>
-              <a:rPr lang="ru-RU" smtClean="0"/>
+              <a:rPr lang="ru-RU"/>
               <a:t>Пятый уровень</a:t>
             </a:r>
             <a:endParaRPr kumimoji="0" lang="en-US"/>
@@ -1567,7 +1583,7 @@
           <a:p>
             <a:fld id="{9F4A1499-A79F-4CDB-9BE1-A8D876FFAB7F}" type="datetime1">
               <a:rPr lang="ru-RU" smtClean="0"/>
-              <a:t>09.12.2019</a:t>
+              <a:t>10.12.2019</a:t>
             </a:fld>
             <a:endParaRPr lang="ru-RU"/>
           </a:p>
@@ -1657,7 +1673,7 @@
           <a:lstStyle/>
           <a:p>
             <a:r>
-              <a:rPr kumimoji="0" lang="ru-RU" smtClean="0"/>
+              <a:rPr kumimoji="0" lang="ru-RU"/>
               <a:t>Образец заголовка</a:t>
             </a:r>
             <a:endParaRPr kumimoji="0" lang="en-US"/>
@@ -1681,35 +1697,35 @@
           <a:p>
             <a:pPr lvl="0" eaLnBrk="1" latinLnBrk="0" hangingPunct="1"/>
             <a:r>
-              <a:rPr lang="ru-RU" smtClean="0"/>
+              <a:rPr lang="ru-RU"/>
               <a:t>Образец текста</a:t>
             </a:r>
           </a:p>
           <a:p>
             <a:pPr lvl="1" eaLnBrk="1" latinLnBrk="0" hangingPunct="1"/>
             <a:r>
-              <a:rPr lang="ru-RU" smtClean="0"/>
+              <a:rPr lang="ru-RU"/>
               <a:t>Второй уровень</a:t>
             </a:r>
           </a:p>
           <a:p>
             <a:pPr lvl="2" eaLnBrk="1" latinLnBrk="0" hangingPunct="1"/>
             <a:r>
-              <a:rPr lang="ru-RU" smtClean="0"/>
+              <a:rPr lang="ru-RU"/>
               <a:t>Третий уровень</a:t>
             </a:r>
           </a:p>
           <a:p>
             <a:pPr lvl="3" eaLnBrk="1" latinLnBrk="0" hangingPunct="1"/>
             <a:r>
-              <a:rPr lang="ru-RU" smtClean="0"/>
+              <a:rPr lang="ru-RU"/>
               <a:t>Четвертый уровень</a:t>
             </a:r>
           </a:p>
           <a:p>
             <a:pPr lvl="4" eaLnBrk="1" latinLnBrk="0" hangingPunct="1"/>
             <a:r>
-              <a:rPr lang="ru-RU" smtClean="0"/>
+              <a:rPr lang="ru-RU"/>
               <a:t>Пятый уровень</a:t>
             </a:r>
             <a:endParaRPr kumimoji="0" lang="en-US"/>
@@ -1733,7 +1749,7 @@
           <a:p>
             <a:fld id="{143DA012-B15F-4265-B64A-CC52D8EB9E94}" type="datetime1">
               <a:rPr lang="ru-RU" smtClean="0"/>
-              <a:t>09.12.2019</a:t>
+              <a:t>10.12.2019</a:t>
             </a:fld>
             <a:endParaRPr lang="ru-RU"/>
           </a:p>
@@ -1854,7 +1870,7 @@
           </a:lstStyle>
           <a:p>
             <a:r>
-              <a:rPr kumimoji="0" lang="ru-RU" smtClean="0"/>
+              <a:rPr kumimoji="0" lang="ru-RU"/>
               <a:t>Образец заголовка</a:t>
             </a:r>
             <a:endParaRPr kumimoji="0" lang="en-US"/>
@@ -1932,7 +1948,7 @@
           <a:p>
             <a:pPr lvl="0" eaLnBrk="1" latinLnBrk="0" hangingPunct="1"/>
             <a:r>
-              <a:rPr kumimoji="0" lang="ru-RU" smtClean="0"/>
+              <a:rPr kumimoji="0" lang="ru-RU"/>
               <a:t>Образец текста</a:t>
             </a:r>
           </a:p>
@@ -1955,7 +1971,7 @@
           <a:p>
             <a:fld id="{0A9F89E7-973D-4DB4-AD4C-D89A75C5C763}" type="datetime1">
               <a:rPr lang="ru-RU" smtClean="0"/>
-              <a:t>09.12.2019</a:t>
+              <a:t>10.12.2019</a:t>
             </a:fld>
             <a:endParaRPr lang="ru-RU"/>
           </a:p>
@@ -2045,7 +2061,7 @@
           <a:lstStyle/>
           <a:p>
             <a:r>
-              <a:rPr kumimoji="0" lang="ru-RU" smtClean="0"/>
+              <a:rPr kumimoji="0" lang="ru-RU"/>
               <a:t>Образец заголовка</a:t>
             </a:r>
             <a:endParaRPr kumimoji="0" lang="en-US"/>
@@ -2090,35 +2106,35 @@
           <a:p>
             <a:pPr lvl="0" eaLnBrk="1" latinLnBrk="0" hangingPunct="1"/>
             <a:r>
-              <a:rPr lang="ru-RU" smtClean="0"/>
+              <a:rPr lang="ru-RU"/>
               <a:t>Образец текста</a:t>
             </a:r>
           </a:p>
           <a:p>
             <a:pPr lvl="1" eaLnBrk="1" latinLnBrk="0" hangingPunct="1"/>
             <a:r>
-              <a:rPr lang="ru-RU" smtClean="0"/>
+              <a:rPr lang="ru-RU"/>
               <a:t>Второй уровень</a:t>
             </a:r>
           </a:p>
           <a:p>
             <a:pPr lvl="2" eaLnBrk="1" latinLnBrk="0" hangingPunct="1"/>
             <a:r>
-              <a:rPr lang="ru-RU" smtClean="0"/>
+              <a:rPr lang="ru-RU"/>
               <a:t>Третий уровень</a:t>
             </a:r>
           </a:p>
           <a:p>
             <a:pPr lvl="3" eaLnBrk="1" latinLnBrk="0" hangingPunct="1"/>
             <a:r>
-              <a:rPr lang="ru-RU" smtClean="0"/>
+              <a:rPr lang="ru-RU"/>
               <a:t>Четвертый уровень</a:t>
             </a:r>
           </a:p>
           <a:p>
             <a:pPr lvl="4" eaLnBrk="1" latinLnBrk="0" hangingPunct="1"/>
             <a:r>
-              <a:rPr lang="ru-RU" smtClean="0"/>
+              <a:rPr lang="ru-RU"/>
               <a:t>Пятый уровень</a:t>
             </a:r>
             <a:endParaRPr kumimoji="0" lang="en-US"/>
@@ -2163,35 +2179,35 @@
           <a:p>
             <a:pPr lvl="0" eaLnBrk="1" latinLnBrk="0" hangingPunct="1"/>
             <a:r>
-              <a:rPr lang="ru-RU" smtClean="0"/>
+              <a:rPr lang="ru-RU"/>
               <a:t>Образец текста</a:t>
             </a:r>
           </a:p>
           <a:p>
             <a:pPr lvl="1" eaLnBrk="1" latinLnBrk="0" hangingPunct="1"/>
             <a:r>
-              <a:rPr lang="ru-RU" smtClean="0"/>
+              <a:rPr lang="ru-RU"/>
               <a:t>Второй уровень</a:t>
             </a:r>
           </a:p>
           <a:p>
             <a:pPr lvl="2" eaLnBrk="1" latinLnBrk="0" hangingPunct="1"/>
             <a:r>
-              <a:rPr lang="ru-RU" smtClean="0"/>
+              <a:rPr lang="ru-RU"/>
               <a:t>Третий уровень</a:t>
             </a:r>
           </a:p>
           <a:p>
             <a:pPr lvl="3" eaLnBrk="1" latinLnBrk="0" hangingPunct="1"/>
             <a:r>
-              <a:rPr lang="ru-RU" smtClean="0"/>
+              <a:rPr lang="ru-RU"/>
               <a:t>Четвертый уровень</a:t>
             </a:r>
           </a:p>
           <a:p>
             <a:pPr lvl="4" eaLnBrk="1" latinLnBrk="0" hangingPunct="1"/>
             <a:r>
-              <a:rPr lang="ru-RU" smtClean="0"/>
+              <a:rPr lang="ru-RU"/>
               <a:t>Пятый уровень</a:t>
             </a:r>
             <a:endParaRPr kumimoji="0" lang="en-US"/>
@@ -2215,7 +2231,7 @@
           <a:p>
             <a:fld id="{F45FD3E1-DAB0-42E8-951E-982A993D7DD2}" type="datetime1">
               <a:rPr lang="ru-RU" smtClean="0"/>
-              <a:t>09.12.2019</a:t>
+              <a:t>10.12.2019</a:t>
             </a:fld>
             <a:endParaRPr lang="ru-RU"/>
           </a:p>
@@ -2314,7 +2330,7 @@
           </a:lstStyle>
           <a:p>
             <a:r>
-              <a:rPr kumimoji="0" lang="ru-RU" smtClean="0"/>
+              <a:rPr kumimoji="0" lang="ru-RU"/>
               <a:t>Образец заголовка</a:t>
             </a:r>
             <a:endParaRPr kumimoji="0" lang="en-US"/>
@@ -2383,7 +2399,7 @@
           <a:p>
             <a:pPr lvl="0" eaLnBrk="1" latinLnBrk="0" hangingPunct="1"/>
             <a:r>
-              <a:rPr kumimoji="0" lang="ru-RU" smtClean="0"/>
+              <a:rPr kumimoji="0" lang="ru-RU"/>
               <a:t>Образец текста</a:t>
             </a:r>
           </a:p>
@@ -2451,7 +2467,7 @@
           <a:p>
             <a:pPr lvl="0" eaLnBrk="1" latinLnBrk="0" hangingPunct="1"/>
             <a:r>
-              <a:rPr kumimoji="0" lang="ru-RU" smtClean="0"/>
+              <a:rPr kumimoji="0" lang="ru-RU"/>
               <a:t>Образец текста</a:t>
             </a:r>
           </a:p>
@@ -2495,35 +2511,35 @@
           <a:p>
             <a:pPr lvl="0" eaLnBrk="1" latinLnBrk="0" hangingPunct="1"/>
             <a:r>
-              <a:rPr lang="ru-RU" smtClean="0"/>
+              <a:rPr lang="ru-RU"/>
               <a:t>Образец текста</a:t>
             </a:r>
           </a:p>
           <a:p>
             <a:pPr lvl="1" eaLnBrk="1" latinLnBrk="0" hangingPunct="1"/>
             <a:r>
-              <a:rPr lang="ru-RU" smtClean="0"/>
+              <a:rPr lang="ru-RU"/>
               <a:t>Второй уровень</a:t>
             </a:r>
           </a:p>
           <a:p>
             <a:pPr lvl="2" eaLnBrk="1" latinLnBrk="0" hangingPunct="1"/>
             <a:r>
-              <a:rPr lang="ru-RU" smtClean="0"/>
+              <a:rPr lang="ru-RU"/>
               <a:t>Третий уровень</a:t>
             </a:r>
           </a:p>
           <a:p>
             <a:pPr lvl="3" eaLnBrk="1" latinLnBrk="0" hangingPunct="1"/>
             <a:r>
-              <a:rPr lang="ru-RU" smtClean="0"/>
+              <a:rPr lang="ru-RU"/>
               <a:t>Четвертый уровень</a:t>
             </a:r>
           </a:p>
           <a:p>
             <a:pPr lvl="4" eaLnBrk="1" latinLnBrk="0" hangingPunct="1"/>
             <a:r>
-              <a:rPr lang="ru-RU" smtClean="0"/>
+              <a:rPr lang="ru-RU"/>
               <a:t>Пятый уровень</a:t>
             </a:r>
             <a:endParaRPr kumimoji="0" lang="en-US"/>
@@ -2568,35 +2584,35 @@
           <a:p>
             <a:pPr lvl="0" eaLnBrk="1" latinLnBrk="0" hangingPunct="1"/>
             <a:r>
-              <a:rPr lang="ru-RU" smtClean="0"/>
+              <a:rPr lang="ru-RU"/>
               <a:t>Образец текста</a:t>
             </a:r>
           </a:p>
           <a:p>
             <a:pPr lvl="1" eaLnBrk="1" latinLnBrk="0" hangingPunct="1"/>
             <a:r>
-              <a:rPr lang="ru-RU" smtClean="0"/>
+              <a:rPr lang="ru-RU"/>
               <a:t>Второй уровень</a:t>
             </a:r>
           </a:p>
           <a:p>
             <a:pPr lvl="2" eaLnBrk="1" latinLnBrk="0" hangingPunct="1"/>
             <a:r>
-              <a:rPr lang="ru-RU" smtClean="0"/>
+              <a:rPr lang="ru-RU"/>
               <a:t>Третий уровень</a:t>
             </a:r>
           </a:p>
           <a:p>
             <a:pPr lvl="3" eaLnBrk="1" latinLnBrk="0" hangingPunct="1"/>
             <a:r>
-              <a:rPr lang="ru-RU" smtClean="0"/>
+              <a:rPr lang="ru-RU"/>
               <a:t>Четвертый уровень</a:t>
             </a:r>
           </a:p>
           <a:p>
             <a:pPr lvl="4" eaLnBrk="1" latinLnBrk="0" hangingPunct="1"/>
             <a:r>
-              <a:rPr lang="ru-RU" smtClean="0"/>
+              <a:rPr lang="ru-RU"/>
               <a:t>Пятый уровень</a:t>
             </a:r>
             <a:endParaRPr kumimoji="0" lang="en-US"/>
@@ -2620,7 +2636,7 @@
           <a:p>
             <a:fld id="{D5F91D7A-F9DC-4F96-B5B2-731B89F470EC}" type="datetime1">
               <a:rPr lang="ru-RU" smtClean="0"/>
-              <a:t>09.12.2019</a:t>
+              <a:t>10.12.2019</a:t>
             </a:fld>
             <a:endParaRPr lang="ru-RU"/>
           </a:p>
@@ -2723,7 +2739,7 @@
           </a:lstStyle>
           <a:p>
             <a:r>
-              <a:rPr kumimoji="0" lang="ru-RU" smtClean="0"/>
+              <a:rPr kumimoji="0" lang="ru-RU"/>
               <a:t>Образец заголовка</a:t>
             </a:r>
             <a:endParaRPr kumimoji="0" lang="en-US"/>
@@ -2752,7 +2768,7 @@
           <a:p>
             <a:fld id="{1C02A1F9-978F-4055-9785-6943F2262584}" type="datetime1">
               <a:rPr lang="ru-RU" smtClean="0"/>
-              <a:t>09.12.2019</a:t>
+              <a:t>10.12.2019</a:t>
             </a:fld>
             <a:endParaRPr lang="ru-RU"/>
           </a:p>
@@ -2853,7 +2869,7 @@
           <a:p>
             <a:fld id="{942102E0-39E0-49C4-A2B2-0CB69F321C32}" type="datetime1">
               <a:rPr lang="ru-RU" smtClean="0"/>
-              <a:t>09.12.2019</a:t>
+              <a:t>10.12.2019</a:t>
             </a:fld>
             <a:endParaRPr lang="ru-RU"/>
           </a:p>
@@ -2953,7 +2969,7 @@
           </a:lstStyle>
           <a:p>
             <a:r>
-              <a:rPr kumimoji="0" lang="ru-RU" smtClean="0"/>
+              <a:rPr kumimoji="0" lang="ru-RU"/>
               <a:t>Образец заголовка</a:t>
             </a:r>
             <a:endParaRPr kumimoji="0" lang="en-US"/>
@@ -3003,7 +3019,7 @@
           <a:p>
             <a:pPr lvl="0" eaLnBrk="1" latinLnBrk="0" hangingPunct="1"/>
             <a:r>
-              <a:rPr kumimoji="0" lang="ru-RU" smtClean="0"/>
+              <a:rPr kumimoji="0" lang="ru-RU"/>
               <a:t>Образец текста</a:t>
             </a:r>
           </a:p>
@@ -3047,35 +3063,35 @@
           <a:p>
             <a:pPr lvl="0" eaLnBrk="1" latinLnBrk="0" hangingPunct="1"/>
             <a:r>
-              <a:rPr lang="ru-RU" smtClean="0"/>
+              <a:rPr lang="ru-RU"/>
               <a:t>Образец текста</a:t>
             </a:r>
           </a:p>
           <a:p>
             <a:pPr lvl="1" eaLnBrk="1" latinLnBrk="0" hangingPunct="1"/>
             <a:r>
-              <a:rPr lang="ru-RU" smtClean="0"/>
+              <a:rPr lang="ru-RU"/>
               <a:t>Второй уровень</a:t>
             </a:r>
           </a:p>
           <a:p>
             <a:pPr lvl="2" eaLnBrk="1" latinLnBrk="0" hangingPunct="1"/>
             <a:r>
-              <a:rPr lang="ru-RU" smtClean="0"/>
+              <a:rPr lang="ru-RU"/>
               <a:t>Третий уровень</a:t>
             </a:r>
           </a:p>
           <a:p>
             <a:pPr lvl="3" eaLnBrk="1" latinLnBrk="0" hangingPunct="1"/>
             <a:r>
-              <a:rPr lang="ru-RU" smtClean="0"/>
+              <a:rPr lang="ru-RU"/>
               <a:t>Четвертый уровень</a:t>
             </a:r>
           </a:p>
           <a:p>
             <a:pPr lvl="4" eaLnBrk="1" latinLnBrk="0" hangingPunct="1"/>
             <a:r>
-              <a:rPr lang="ru-RU" smtClean="0"/>
+              <a:rPr lang="ru-RU"/>
               <a:t>Пятый уровень</a:t>
             </a:r>
             <a:endParaRPr kumimoji="0" lang="en-US"/>
@@ -3099,7 +3115,7 @@
           <a:p>
             <a:fld id="{DBF4494A-29BF-4C88-ACEC-02B03BDA44E7}" type="datetime1">
               <a:rPr lang="ru-RU" smtClean="0"/>
-              <a:t>09.12.2019</a:t>
+              <a:t>10.12.2019</a:t>
             </a:fld>
             <a:endParaRPr lang="ru-RU"/>
           </a:p>
@@ -3199,7 +3215,7 @@
           </a:lstStyle>
           <a:p>
             <a:r>
-              <a:rPr kumimoji="0" lang="ru-RU" smtClean="0"/>
+              <a:rPr kumimoji="0" lang="ru-RU"/>
               <a:t>Образец заголовка</a:t>
             </a:r>
             <a:endParaRPr kumimoji="0" lang="en-US"/>
@@ -3260,7 +3276,7 @@
           </a:lstStyle>
           <a:p>
             <a:r>
-              <a:rPr kumimoji="0" lang="ru-RU" smtClean="0"/>
+              <a:rPr kumimoji="0" lang="ru-RU"/>
               <a:t>Вставка рисунка</a:t>
             </a:r>
             <a:endParaRPr kumimoji="0" lang="en-US" dirty="0"/>
@@ -3321,7 +3337,7 @@
           <a:p>
             <a:pPr lvl="0" eaLnBrk="1" latinLnBrk="0" hangingPunct="1"/>
             <a:r>
-              <a:rPr kumimoji="0" lang="ru-RU" smtClean="0"/>
+              <a:rPr kumimoji="0" lang="ru-RU"/>
               <a:t>Образец текста</a:t>
             </a:r>
           </a:p>
@@ -3344,7 +3360,7 @@
           <a:p>
             <a:fld id="{5753A60A-9711-4089-BDA4-E3BDA7A9FDD6}" type="datetime1">
               <a:rPr lang="ru-RU" smtClean="0"/>
-              <a:t>09.12.2019</a:t>
+              <a:t>10.12.2019</a:t>
             </a:fld>
             <a:endParaRPr lang="ru-RU"/>
           </a:p>
@@ -4067,7 +4083,7 @@
           <a:lstStyle/>
           <a:p>
             <a:r>
-              <a:rPr kumimoji="0" lang="ru-RU" smtClean="0"/>
+              <a:rPr kumimoji="0" lang="ru-RU"/>
               <a:t>Образец заголовка</a:t>
             </a:r>
             <a:endParaRPr kumimoji="0" lang="en-US"/>
@@ -4101,35 +4117,35 @@
           <a:p>
             <a:pPr lvl="0" eaLnBrk="1" latinLnBrk="0" hangingPunct="1"/>
             <a:r>
-              <a:rPr kumimoji="0" lang="ru-RU" smtClean="0"/>
+              <a:rPr kumimoji="0" lang="ru-RU"/>
               <a:t>Образец текста</a:t>
             </a:r>
           </a:p>
           <a:p>
             <a:pPr lvl="1" eaLnBrk="1" latinLnBrk="0" hangingPunct="1"/>
             <a:r>
-              <a:rPr kumimoji="0" lang="ru-RU" smtClean="0"/>
+              <a:rPr kumimoji="0" lang="ru-RU"/>
               <a:t>Второй уровень</a:t>
             </a:r>
           </a:p>
           <a:p>
             <a:pPr lvl="2" eaLnBrk="1" latinLnBrk="0" hangingPunct="1"/>
             <a:r>
-              <a:rPr kumimoji="0" lang="ru-RU" smtClean="0"/>
+              <a:rPr kumimoji="0" lang="ru-RU"/>
               <a:t>Третий уровень</a:t>
             </a:r>
           </a:p>
           <a:p>
             <a:pPr lvl="3" eaLnBrk="1" latinLnBrk="0" hangingPunct="1"/>
             <a:r>
-              <a:rPr kumimoji="0" lang="ru-RU" smtClean="0"/>
+              <a:rPr kumimoji="0" lang="ru-RU"/>
               <a:t>Четвертый уровень</a:t>
             </a:r>
           </a:p>
           <a:p>
             <a:pPr lvl="4" eaLnBrk="1" latinLnBrk="0" hangingPunct="1"/>
             <a:r>
-              <a:rPr kumimoji="0" lang="ru-RU" smtClean="0"/>
+              <a:rPr kumimoji="0" lang="ru-RU"/>
               <a:t>Пятый уровень</a:t>
             </a:r>
             <a:endParaRPr kumimoji="0" lang="en-US"/>
@@ -4169,7 +4185,7 @@
           <a:p>
             <a:fld id="{8E9C0657-6F05-438D-961A-4C3E31220474}" type="datetime1">
               <a:rPr lang="ru-RU" smtClean="0"/>
-              <a:t>09.12.2019</a:t>
+              <a:t>10.12.2019</a:t>
             </a:fld>
             <a:endParaRPr lang="ru-RU"/>
           </a:p>
@@ -4588,20 +4604,12 @@
               <a:rPr lang="en-US" sz="5600" dirty="0"/>
               <a:t>Hibernate: </a:t>
             </a:r>
-            <a:r>
-              <a:rPr lang="en-US" sz="5600" dirty="0" smtClean="0"/>
-              <a:t/>
-            </a:r>
             <a:br>
-              <a:rPr lang="en-US" sz="5600" dirty="0" smtClean="0"/>
+              <a:rPr lang="en-US" sz="5600" dirty="0"/>
             </a:br>
             <a:r>
-              <a:rPr lang="en-US" sz="5600" dirty="0" smtClean="0"/>
-              <a:t>The Dark and Light </a:t>
-            </a:r>
-            <a:r>
               <a:rPr lang="en-US" sz="5600" dirty="0"/>
-              <a:t>Side</a:t>
+              <a:t>The Dark and Light Side</a:t>
             </a:r>
             <a:endParaRPr lang="ru-RU" sz="5600" dirty="0"/>
           </a:p>
@@ -4636,13 +4644,6 @@
   <p:clrMapOvr>
     <a:masterClrMapping/>
   </p:clrMapOvr>
-  <p:timing>
-    <p:tnLst>
-      <p:par>
-        <p:cTn id="1" dur="indefinite" restart="never" nodeType="tmRoot"/>
-      </p:par>
-    </p:tnLst>
-  </p:timing>
 </p:sld>
 </file>
 
@@ -4684,7 +4685,7 @@
           <a:lstStyle/>
           <a:p>
             <a:r>
-              <a:rPr lang="en-US" dirty="0" smtClean="0"/>
+              <a:rPr lang="en-US" dirty="0"/>
               <a:t>Batch Processing</a:t>
             </a:r>
             <a:endParaRPr lang="ru-RU" dirty="0"/>
@@ -4715,15 +4716,15 @@
               <a:buNone/>
             </a:pPr>
             <a:r>
-              <a:rPr lang="en-US" dirty="0" smtClean="0"/>
+              <a:rPr lang="en-US" dirty="0"/>
               <a:t>   </a:t>
             </a:r>
             <a:r>
-              <a:rPr lang="en-US" b="1" dirty="0" smtClean="0"/>
+              <a:rPr lang="en-US" b="1" dirty="0"/>
               <a:t>Hibernate Batch</a:t>
             </a:r>
             <a:r>
-              <a:rPr lang="en-US" dirty="0" smtClean="0"/>
+              <a:rPr lang="en-US" dirty="0"/>
               <a:t> processing is an easy way to add multiple statements into a batch and execute that batch by making a single round trip to the database.</a:t>
             </a:r>
             <a:endParaRPr lang="ru-RU" dirty="0"/>
@@ -4791,13 +4792,6 @@
   <p:clrMapOvr>
     <a:masterClrMapping/>
   </p:clrMapOvr>
-  <p:timing>
-    <p:tnLst>
-      <p:par>
-        <p:cTn id="1" dur="indefinite" restart="never" nodeType="tmRoot"/>
-      </p:par>
-    </p:tnLst>
-  </p:timing>
 </p:sld>
 </file>
 
@@ -4839,7 +4833,7 @@
           <a:lstStyle/>
           <a:p>
             <a:r>
-              <a:rPr lang="en-US" dirty="0" smtClean="0"/>
+              <a:rPr lang="en-US" dirty="0"/>
               <a:t>Result Fetching</a:t>
             </a:r>
             <a:endParaRPr lang="ru-RU" dirty="0"/>
@@ -4870,15 +4864,15 @@
               <a:buNone/>
             </a:pPr>
             <a:r>
-              <a:rPr lang="en-US" dirty="0" smtClean="0"/>
+              <a:rPr lang="en-US" dirty="0"/>
               <a:t>   </a:t>
             </a:r>
             <a:r>
-              <a:rPr lang="en-US" b="1" dirty="0" smtClean="0"/>
+              <a:rPr lang="en-US" b="1" dirty="0"/>
               <a:t>Fetch size</a:t>
             </a:r>
             <a:r>
-              <a:rPr lang="en-US" dirty="0" smtClean="0"/>
+              <a:rPr lang="en-US" dirty="0"/>
               <a:t> is a number of records read from DB into memory in one round trip for a query.</a:t>
             </a:r>
             <a:endParaRPr lang="ru-RU" dirty="0"/>
@@ -4946,13 +4940,6 @@
   <p:clrMapOvr>
     <a:masterClrMapping/>
   </p:clrMapOvr>
-  <p:timing>
-    <p:tnLst>
-      <p:par>
-        <p:cTn id="1" dur="indefinite" restart="never" nodeType="tmRoot"/>
-      </p:par>
-    </p:tnLst>
-  </p:timing>
 </p:sld>
 </file>
 
@@ -4991,15 +4978,15 @@
           <a:lstStyle/>
           <a:p>
             <a:r>
-              <a:rPr lang="en-US" dirty="0" smtClean="0"/>
+              <a:rPr lang="en-US" dirty="0"/>
               <a:t>JDBC Tuning (*</a:t>
             </a:r>
             <a:r>
-              <a:rPr lang="en-US" dirty="0" err="1" smtClean="0"/>
+              <a:rPr lang="en-US" dirty="0" err="1"/>
               <a:t>PostgreSQL</a:t>
             </a:r>
             <a:r>
-              <a:rPr lang="en-US" dirty="0" smtClean="0"/>
+              <a:rPr lang="en-US" dirty="0"/>
               <a:t>)</a:t>
             </a:r>
             <a:endParaRPr lang="ru-RU" dirty="0"/>
@@ -5033,7 +5020,7 @@
               <a:buChar char="•"/>
             </a:pPr>
             <a:r>
-              <a:rPr lang="en-US" sz="2400" b="1" dirty="0" err="1" smtClean="0">
+              <a:rPr lang="en-US" sz="2400" b="1" dirty="0" err="1">
                 <a:solidFill>
                   <a:srgbClr val="008000"/>
                 </a:solidFill>
@@ -5041,7 +5028,7 @@
               <a:t>preparedStatementCacheQueries</a:t>
             </a:r>
             <a:r>
-              <a:rPr lang="en-US" sz="2400" b="1" dirty="0" smtClean="0">
+              <a:rPr lang="en-US" sz="2400" b="1" dirty="0">
                 <a:solidFill>
                   <a:srgbClr val="008000"/>
                 </a:solidFill>
@@ -5049,7 +5036,7 @@
               <a:t> </a:t>
             </a:r>
             <a:r>
-              <a:rPr lang="en-US" sz="2400" b="1" dirty="0" smtClean="0"/>
+              <a:rPr lang="en-US" sz="2400" b="1" dirty="0"/>
               <a:t>= 256</a:t>
             </a:r>
           </a:p>
@@ -5064,7 +5051,7 @@
               <a:buChar char="•"/>
             </a:pPr>
             <a:r>
-              <a:rPr lang="en-US" sz="2400" b="1" dirty="0" err="1" smtClean="0">
+              <a:rPr lang="en-US" sz="2400" b="1" dirty="0" err="1">
                 <a:solidFill>
                   <a:srgbClr val="008000"/>
                 </a:solidFill>
@@ -5072,7 +5059,7 @@
               <a:t>preparedStatementCacheSizeMiB</a:t>
             </a:r>
             <a:r>
-              <a:rPr lang="en-US" sz="2400" b="1" dirty="0" smtClean="0">
+              <a:rPr lang="en-US" sz="2400" b="1" dirty="0">
                 <a:solidFill>
                   <a:srgbClr val="008000"/>
                 </a:solidFill>
@@ -5080,7 +5067,7 @@
               <a:t> </a:t>
             </a:r>
             <a:r>
-              <a:rPr lang="en-US" sz="2400" b="1" dirty="0" smtClean="0"/>
+              <a:rPr lang="en-US" sz="2400" b="1" dirty="0"/>
               <a:t>= 5</a:t>
             </a:r>
           </a:p>
@@ -5095,7 +5082,7 @@
               <a:buChar char="•"/>
             </a:pPr>
             <a:r>
-              <a:rPr lang="en-US" sz="2400" b="1" dirty="0" err="1" smtClean="0">
+              <a:rPr lang="en-US" sz="2400" b="1" dirty="0" err="1">
                 <a:solidFill>
                   <a:srgbClr val="008000"/>
                 </a:solidFill>
@@ -5103,14 +5090,14 @@
               <a:t>prepareThreshold</a:t>
             </a:r>
             <a:r>
-              <a:rPr lang="en-US" sz="2400" dirty="0" smtClean="0"/>
+              <a:rPr lang="en-US" sz="2400" dirty="0"/>
               <a:t> = 5</a:t>
             </a:r>
             <a:r>
-              <a:rPr lang="en-US" sz="2000" dirty="0" smtClean="0"/>
+              <a:rPr lang="en-US" sz="2000" dirty="0"/>
               <a:t> </a:t>
             </a:r>
-            <a:endParaRPr lang="en-US" sz="2000" b="1" dirty="0" smtClean="0">
+            <a:endParaRPr lang="en-US" sz="2000" b="1" dirty="0">
               <a:solidFill>
                 <a:srgbClr val="008000"/>
               </a:solidFill>
@@ -5126,7 +5113,7 @@
               <a:buFont typeface="Arial" pitchFamily="34" charset="0"/>
               <a:buChar char="•"/>
             </a:pPr>
-            <a:endParaRPr lang="en-US" sz="2400" b="1" dirty="0" smtClean="0">
+            <a:endParaRPr lang="en-US" sz="2400" b="1" dirty="0">
               <a:solidFill>
                 <a:srgbClr val="008000"/>
               </a:solidFill>
@@ -5210,13 +5197,102 @@
   <p:clrMapOvr>
     <a:masterClrMapping/>
   </p:clrMapOvr>
-  <p:timing>
-    <p:tnLst>
-      <p:par>
-        <p:cTn id="1" dur="indefinite" restart="never" nodeType="tmRoot"/>
-      </p:par>
-    </p:tnLst>
-  </p:timing>
+</p:sld>
+</file>
+
+<file path=ppt/slides/slide13.xml><?xml version="1.0" encoding="utf-8"?>
+<p:sld xmlns:a="http://schemas.openxmlformats.org/drawingml/2006/main" xmlns:r="http://schemas.openxmlformats.org/officeDocument/2006/relationships" xmlns:p="http://schemas.openxmlformats.org/presentationml/2006/main">
+  <p:cSld>
+    <p:spTree>
+      <p:nvGrpSpPr>
+        <p:cNvPr id="1" name=""/>
+        <p:cNvGrpSpPr/>
+        <p:nvPr/>
+      </p:nvGrpSpPr>
+      <p:grpSpPr>
+        <a:xfrm>
+          <a:off x="0" y="0"/>
+          <a:ext cx="0" cy="0"/>
+          <a:chOff x="0" y="0"/>
+          <a:chExt cx="0" cy="0"/>
+        </a:xfrm>
+      </p:grpSpPr>
+      <p:sp>
+        <p:nvSpPr>
+          <p:cNvPr id="2" name="Title 1">
+            <a:extLst>
+              <a:ext uri="{FF2B5EF4-FFF2-40B4-BE49-F238E27FC236}">
+                <a16:creationId xmlns:a16="http://schemas.microsoft.com/office/drawing/2014/main" id="{0664C40B-61D8-4164-9906-3EBD02A28B4C}"/>
+              </a:ext>
+            </a:extLst>
+          </p:cNvPr>
+          <p:cNvSpPr>
+            <a:spLocks noGrp="1"/>
+          </p:cNvSpPr>
+          <p:nvPr>
+            <p:ph type="title"/>
+          </p:nvPr>
+        </p:nvSpPr>
+        <p:spPr>
+          <a:xfrm>
+            <a:off x="457200" y="2286000"/>
+            <a:ext cx="8229600" cy="1066800"/>
+          </a:xfrm>
+        </p:spPr>
+        <p:txBody>
+          <a:bodyPr>
+            <a:normAutofit/>
+          </a:bodyPr>
+          <a:lstStyle/>
+          <a:p>
+            <a:pPr algn="ctr"/>
+            <a:r>
+              <a:rPr lang="en-US" sz="5400" dirty="0"/>
+              <a:t>Thank You</a:t>
+            </a:r>
+          </a:p>
+        </p:txBody>
+      </p:sp>
+      <p:sp>
+        <p:nvSpPr>
+          <p:cNvPr id="4" name="Slide Number Placeholder 3">
+            <a:extLst>
+              <a:ext uri="{FF2B5EF4-FFF2-40B4-BE49-F238E27FC236}">
+                <a16:creationId xmlns:a16="http://schemas.microsoft.com/office/drawing/2014/main" id="{F3CBE391-D54F-4417-A5C2-39584A5A04AB}"/>
+              </a:ext>
+            </a:extLst>
+          </p:cNvPr>
+          <p:cNvSpPr>
+            <a:spLocks noGrp="1"/>
+          </p:cNvSpPr>
+          <p:nvPr>
+            <p:ph type="sldNum" sz="quarter" idx="12"/>
+          </p:nvPr>
+        </p:nvSpPr>
+        <p:spPr/>
+        <p:txBody>
+          <a:bodyPr/>
+          <a:lstStyle/>
+          <a:p>
+            <a:fld id="{071838C0-ED1E-4897-9D5F-700BA0972C23}" type="slidenum">
+              <a:rPr lang="ru-RU" smtClean="0"/>
+              <a:pPr/>
+              <a:t>13</a:t>
+            </a:fld>
+            <a:endParaRPr lang="ru-RU"/>
+          </a:p>
+        </p:txBody>
+      </p:sp>
+    </p:spTree>
+    <p:extLst>
+      <p:ext uri="{BB962C8B-B14F-4D97-AF65-F5344CB8AC3E}">
+        <p14:creationId xmlns:p14="http://schemas.microsoft.com/office/powerpoint/2010/main" val="747101285"/>
+      </p:ext>
+    </p:extLst>
+  </p:cSld>
+  <p:clrMapOvr>
+    <a:masterClrMapping/>
+  </p:clrMapOvr>
 </p:sld>
 </file>
 
@@ -5253,7 +5329,7 @@
           <a:lstStyle/>
           <a:p>
             <a:r>
-              <a:rPr lang="en-US" dirty="0" smtClean="0"/>
+              <a:rPr lang="en-US" dirty="0"/>
               <a:t>JPA - Java Persistence API</a:t>
             </a:r>
             <a:endParaRPr lang="ru-RU" dirty="0"/>
@@ -5315,13 +5391,6 @@
   <p:clrMapOvr>
     <a:masterClrMapping/>
   </p:clrMapOvr>
-  <p:timing>
-    <p:tnLst>
-      <p:par>
-        <p:cTn id="1" dur="indefinite" restart="never" nodeType="tmRoot"/>
-      </p:par>
-    </p:tnLst>
-  </p:timing>
 </p:sld>
 </file>
 
@@ -5365,7 +5434,7 @@
           <a:lstStyle/>
           <a:p>
             <a:r>
-              <a:rPr lang="en-US" sz="4900" dirty="0" smtClean="0"/>
+              <a:rPr lang="en-US" sz="4900" dirty="0"/>
               <a:t>Hibernate</a:t>
             </a:r>
             <a:endParaRPr lang="ru-RU" dirty="0"/>
@@ -5425,13 +5494,6 @@
   <p:clrMapOvr>
     <a:masterClrMapping/>
   </p:clrMapOvr>
-  <p:timing>
-    <p:tnLst>
-      <p:par>
-        <p:cTn id="1" dur="indefinite" restart="never" nodeType="tmRoot"/>
-      </p:par>
-    </p:tnLst>
-  </p:timing>
 </p:sld>
 </file>
 
@@ -5470,19 +5532,15 @@
           <a:lstStyle/>
           <a:p>
             <a:r>
-              <a:rPr lang="en-US" dirty="0" smtClean="0"/>
-              <a:t>Entities, Proxies </a:t>
-            </a:r>
-            <a:r>
-              <a:rPr lang="en-US" dirty="0" smtClean="0"/>
-              <a:t>&amp; </a:t>
-            </a:r>
-            <a:r>
-              <a:rPr lang="en-US" dirty="0" err="1" smtClean="0"/>
+              <a:rPr lang="en-US" dirty="0"/>
+              <a:t>Entities, Proxies &amp; </a:t>
+            </a:r>
+            <a:r>
+              <a:rPr lang="en-US" dirty="0" err="1"/>
               <a:t>Bytecode</a:t>
             </a:r>
             <a:r>
-              <a:rPr lang="en-US" dirty="0" smtClean="0"/>
+              <a:rPr lang="en-US" dirty="0"/>
               <a:t> Providers</a:t>
             </a:r>
             <a:endParaRPr lang="ru-RU" dirty="0"/>
@@ -5515,7 +5573,7 @@
               </a:buClr>
             </a:pPr>
             <a:r>
-              <a:rPr lang="en-US" dirty="0" smtClean="0"/>
+              <a:rPr lang="en-US" dirty="0"/>
               <a:t>Entity Proxies (Lazy, Dirty checking)</a:t>
             </a:r>
           </a:p>
@@ -5525,7 +5583,7 @@
                 <a:schemeClr val="accent4"/>
               </a:buClr>
             </a:pPr>
-            <a:endParaRPr lang="en-US" dirty="0" smtClean="0"/>
+            <a:endParaRPr lang="en-US" dirty="0"/>
           </a:p>
           <a:p>
             <a:pPr>
@@ -5534,7 +5592,7 @@
               </a:buClr>
             </a:pPr>
             <a:r>
-              <a:rPr lang="en-US" dirty="0" smtClean="0"/>
+              <a:rPr lang="en-US" dirty="0"/>
               <a:t>Collection Proxies (Persistent Bag)</a:t>
             </a:r>
           </a:p>
@@ -5545,7 +5603,7 @@
               </a:buClr>
               <a:buNone/>
             </a:pPr>
-            <a:endParaRPr lang="en-US" dirty="0" smtClean="0"/>
+            <a:endParaRPr lang="en-US" dirty="0"/>
           </a:p>
           <a:p>
             <a:pPr>
@@ -5554,7 +5612,7 @@
               </a:buClr>
             </a:pPr>
             <a:r>
-              <a:rPr lang="en-US" dirty="0" err="1" smtClean="0">
+              <a:rPr lang="en-US" dirty="0" err="1">
                 <a:solidFill>
                   <a:srgbClr val="008000"/>
                 </a:solidFill>
@@ -5562,7 +5620,7 @@
               <a:t>hibernate.bytecode.provider</a:t>
             </a:r>
             <a:r>
-              <a:rPr lang="en-US" dirty="0" smtClean="0"/>
+              <a:rPr lang="en-US" dirty="0"/>
               <a:t> </a:t>
             </a:r>
           </a:p>
@@ -5574,27 +5632,27 @@
               <a:buNone/>
             </a:pPr>
             <a:r>
-              <a:rPr lang="en-US" dirty="0" smtClean="0"/>
+              <a:rPr lang="en-US" dirty="0"/>
               <a:t>				(CGLIB, </a:t>
             </a:r>
             <a:r>
-              <a:rPr lang="en-US" dirty="0" err="1" smtClean="0"/>
+              <a:rPr lang="en-US" dirty="0" err="1"/>
               <a:t>Javassist</a:t>
             </a:r>
             <a:r>
-              <a:rPr lang="en-US" dirty="0" smtClean="0"/>
+              <a:rPr lang="en-US" dirty="0"/>
               <a:t>,</a:t>
             </a:r>
             <a:r>
-              <a:rPr lang="ru-RU" dirty="0" smtClean="0"/>
+              <a:rPr lang="ru-RU" dirty="0"/>
               <a:t> </a:t>
             </a:r>
             <a:r>
-              <a:rPr lang="en-US" dirty="0" err="1" smtClean="0"/>
+              <a:rPr lang="en-US" dirty="0" err="1"/>
               <a:t>ByteBuddy</a:t>
             </a:r>
             <a:r>
-              <a:rPr lang="en-US" dirty="0" smtClean="0"/>
+              <a:rPr lang="en-US" dirty="0"/>
               <a:t>)</a:t>
             </a:r>
           </a:p>
@@ -5629,13 +5687,6 @@
   <p:clrMapOvr>
     <a:masterClrMapping/>
   </p:clrMapOvr>
-  <p:timing>
-    <p:tnLst>
-      <p:par>
-        <p:cTn id="1" dur="indefinite" restart="never" nodeType="tmRoot"/>
-      </p:par>
-    </p:tnLst>
-  </p:timing>
 </p:sld>
 </file>
 
@@ -5672,7 +5723,7 @@
           <a:lstStyle/>
           <a:p>
             <a:r>
-              <a:rPr lang="en-US" i="1" dirty="0" smtClean="0"/>
+              <a:rPr lang="en-US" i="1" dirty="0"/>
               <a:t>SQL Order Execution</a:t>
             </a:r>
             <a:endParaRPr lang="ru-RU" dirty="0"/>
@@ -5704,7 +5755,7 @@
               </a:buClr>
             </a:pPr>
             <a:r>
-              <a:rPr lang="en-US" i="1" dirty="0" smtClean="0"/>
+              <a:rPr lang="en-US" i="1" dirty="0"/>
               <a:t>Inserts, in the order they were performed</a:t>
             </a:r>
           </a:p>
@@ -5717,7 +5768,7 @@
               </a:buClr>
             </a:pPr>
             <a:r>
-              <a:rPr lang="en-US" i="1" dirty="0" smtClean="0"/>
+              <a:rPr lang="en-US" i="1" dirty="0"/>
               <a:t>Updates</a:t>
             </a:r>
           </a:p>
@@ -5730,7 +5781,7 @@
               </a:buClr>
             </a:pPr>
             <a:r>
-              <a:rPr lang="en-US" i="1" dirty="0" smtClean="0"/>
+              <a:rPr lang="en-US" i="1" dirty="0"/>
               <a:t>Deletion of collection elements</a:t>
             </a:r>
           </a:p>
@@ -5743,7 +5794,7 @@
               </a:buClr>
             </a:pPr>
             <a:r>
-              <a:rPr lang="en-US" i="1" dirty="0" smtClean="0"/>
+              <a:rPr lang="en-US" i="1" dirty="0"/>
               <a:t>Insertion of collection elements</a:t>
             </a:r>
           </a:p>
@@ -5756,7 +5807,7 @@
               </a:buClr>
             </a:pPr>
             <a:r>
-              <a:rPr lang="en-US" i="1" dirty="0" smtClean="0"/>
+              <a:rPr lang="en-US" i="1" dirty="0"/>
               <a:t>Deletes, in the order they were performed</a:t>
             </a:r>
           </a:p>
@@ -5769,7 +5820,7 @@
               </a:buClr>
               <a:buNone/>
             </a:pPr>
-            <a:endParaRPr lang="en-US" i="1" dirty="0" smtClean="0"/>
+            <a:endParaRPr lang="en-US" i="1" dirty="0"/>
           </a:p>
           <a:p>
             <a:pPr>
@@ -5781,11 +5832,11 @@
               <a:buNone/>
             </a:pPr>
             <a:r>
-              <a:rPr lang="en-US" i="1" dirty="0" smtClean="0"/>
+              <a:rPr lang="en-US" i="1" dirty="0"/>
               <a:t>*</a:t>
             </a:r>
             <a:r>
-              <a:rPr lang="en-US" sz="2600" i="1" dirty="0" err="1" smtClean="0"/>
+              <a:rPr lang="en-US" sz="2600" i="1" dirty="0" err="1"/>
               <a:t>AbstractFlushingEventListener#performExecutions</a:t>
             </a:r>
             <a:endParaRPr lang="ru-RU" sz="2600" dirty="0"/>
@@ -5821,13 +5872,6 @@
   <p:clrMapOvr>
     <a:masterClrMapping/>
   </p:clrMapOvr>
-  <p:timing>
-    <p:tnLst>
-      <p:par>
-        <p:cTn id="1" dur="indefinite" restart="never" nodeType="tmRoot"/>
-      </p:par>
-    </p:tnLst>
-  </p:timing>
 </p:sld>
 </file>
 
@@ -5869,7 +5913,7 @@
           <a:lstStyle/>
           <a:p>
             <a:r>
-              <a:rPr lang="en-US" dirty="0" smtClean="0"/>
+              <a:rPr lang="en-US" dirty="0"/>
               <a:t>Dirty Checking</a:t>
             </a:r>
             <a:endParaRPr lang="ru-RU" dirty="0"/>
@@ -5907,18 +5951,18 @@
               <a:buChar char="•"/>
             </a:pPr>
             <a:r>
-              <a:rPr lang="en-US" dirty="0" smtClean="0"/>
+              <a:rPr lang="en-US" dirty="0"/>
               <a:t>Default approach – </a:t>
             </a:r>
             <a:r>
-              <a:rPr lang="en-US" dirty="0" smtClean="0">
+              <a:rPr lang="en-US" dirty="0">
                 <a:solidFill>
                   <a:srgbClr val="C00000"/>
                 </a:solidFill>
               </a:rPr>
               <a:t>ALWAYS CHECK</a:t>
             </a:r>
-            <a:endParaRPr lang="en-US" dirty="0" smtClean="0"/>
+            <a:endParaRPr lang="en-US" dirty="0"/>
           </a:p>
           <a:p>
             <a:pPr>
@@ -5932,7 +5976,7 @@
               <a:buChar char="•"/>
             </a:pPr>
             <a:r>
-              <a:rPr lang="en-US" dirty="0" smtClean="0">
+              <a:rPr lang="en-US" dirty="0">
                 <a:solidFill>
                   <a:srgbClr val="808000"/>
                 </a:solidFill>
@@ -5940,23 +5984,23 @@
               <a:t>@Transactional</a:t>
             </a:r>
             <a:r>
-              <a:rPr lang="en-US" dirty="0" smtClean="0"/>
+              <a:rPr lang="en-US" dirty="0"/>
               <a:t>(</a:t>
             </a:r>
             <a:r>
-              <a:rPr lang="en-US" dirty="0" err="1" smtClean="0"/>
+              <a:rPr lang="en-US" dirty="0" err="1"/>
               <a:t>readOnly</a:t>
             </a:r>
             <a:r>
-              <a:rPr lang="en-US" dirty="0" smtClean="0"/>
+              <a:rPr lang="en-US" dirty="0"/>
               <a:t> = </a:t>
             </a:r>
             <a:r>
-              <a:rPr lang="en-US" b="1" dirty="0" smtClean="0"/>
+              <a:rPr lang="en-US" b="1" dirty="0"/>
               <a:t>true</a:t>
             </a:r>
             <a:r>
-              <a:rPr lang="en-US" dirty="0" smtClean="0"/>
+              <a:rPr lang="en-US" dirty="0"/>
               <a:t>)</a:t>
             </a:r>
           </a:p>
@@ -5972,7 +6016,7 @@
               <a:buChar char="•"/>
             </a:pPr>
             <a:r>
-              <a:rPr lang="en-US" dirty="0" smtClean="0">
+              <a:rPr lang="en-US" dirty="0">
                 <a:solidFill>
                   <a:srgbClr val="808000"/>
                 </a:solidFill>
@@ -5980,7 +6024,7 @@
               <a:t>@Immutable </a:t>
             </a:r>
             <a:r>
-              <a:rPr lang="en-US" dirty="0" smtClean="0"/>
+              <a:rPr lang="en-US" dirty="0"/>
               <a:t>on Entity</a:t>
             </a:r>
           </a:p>
@@ -5996,7 +6040,7 @@
               <a:buChar char="•"/>
             </a:pPr>
             <a:r>
-              <a:rPr lang="en-US" dirty="0" smtClean="0"/>
+              <a:rPr lang="en-US" dirty="0"/>
               <a:t>Read only Queries</a:t>
             </a:r>
           </a:p>
@@ -6012,7 +6056,7 @@
               <a:buChar char="•"/>
             </a:pPr>
             <a:r>
-              <a:rPr lang="en-US" dirty="0" smtClean="0"/>
+              <a:rPr lang="en-US" dirty="0"/>
               <a:t>Stateless Session</a:t>
             </a:r>
           </a:p>
@@ -6028,7 +6072,7 @@
               <a:buChar char="•"/>
             </a:pPr>
             <a:r>
-              <a:rPr lang="en-US" dirty="0" smtClean="0"/>
+              <a:rPr lang="en-US" dirty="0"/>
               <a:t>Hibernate Enhancer</a:t>
             </a:r>
           </a:p>
@@ -6044,10 +6088,10 @@
               <a:buChar char="•"/>
             </a:pPr>
             <a:r>
-              <a:rPr lang="en-US" dirty="0" err="1" smtClean="0"/>
+              <a:rPr lang="en-US" dirty="0" err="1"/>
               <a:t>CustomEntityDirtinessStrategy</a:t>
             </a:r>
-            <a:endParaRPr lang="en-US" dirty="0" smtClean="0"/>
+            <a:endParaRPr lang="en-US" dirty="0"/>
           </a:p>
           <a:p>
             <a:pPr>
@@ -6057,7 +6101,7 @@
               <a:buFont typeface="Arial" pitchFamily="34" charset="0"/>
               <a:buChar char="•"/>
             </a:pPr>
-            <a:endParaRPr lang="en-US" dirty="0" smtClean="0"/>
+            <a:endParaRPr lang="en-US" dirty="0"/>
           </a:p>
           <a:p>
             <a:pPr>
@@ -6067,7 +6111,7 @@
               <a:buFont typeface="Arial" pitchFamily="34" charset="0"/>
               <a:buChar char="•"/>
             </a:pPr>
-            <a:endParaRPr lang="en-US" dirty="0" smtClean="0"/>
+            <a:endParaRPr lang="en-US" dirty="0"/>
           </a:p>
           <a:p>
             <a:pPr>
@@ -6077,7 +6121,7 @@
               <a:buFont typeface="Arial" pitchFamily="34" charset="0"/>
               <a:buChar char="•"/>
             </a:pPr>
-            <a:endParaRPr lang="en-US" dirty="0" smtClean="0"/>
+            <a:endParaRPr lang="en-US" dirty="0"/>
           </a:p>
           <a:p>
             <a:pPr>
@@ -6120,13 +6164,6 @@
   <p:clrMapOvr>
     <a:masterClrMapping/>
   </p:clrMapOvr>
-  <p:timing>
-    <p:tnLst>
-      <p:par>
-        <p:cTn id="1" dur="indefinite" restart="never" nodeType="tmRoot"/>
-      </p:par>
-    </p:tnLst>
-  </p:timing>
 </p:sld>
 </file>
 
@@ -6200,13 +6237,6 @@
   <p:clrMapOvr>
     <a:masterClrMapping/>
   </p:clrMapOvr>
-  <p:timing>
-    <p:tnLst>
-      <p:par>
-        <p:cTn id="1" dur="indefinite" restart="never" nodeType="tmRoot"/>
-      </p:par>
-    </p:tnLst>
-  </p:timing>
 </p:sld>
 </file>
 
@@ -6248,7 +6278,7 @@
           <a:lstStyle/>
           <a:p>
             <a:r>
-              <a:rPr lang="en-US" dirty="0" smtClean="0"/>
+              <a:rPr lang="en-US" dirty="0"/>
               <a:t>Query Optimizations</a:t>
             </a:r>
             <a:endParaRPr lang="ru-RU" dirty="0"/>
@@ -6288,7 +6318,7 @@
               </a:buClr>
             </a:pPr>
             <a:r>
-              <a:rPr lang="en-US" dirty="0" smtClean="0">
+              <a:rPr lang="en-US" dirty="0">
                 <a:solidFill>
                   <a:srgbClr val="808000"/>
                 </a:solidFill>
@@ -6296,7 +6326,7 @@
               <a:t>@</a:t>
             </a:r>
             <a:r>
-              <a:rPr lang="en-US" dirty="0" err="1" smtClean="0">
+              <a:rPr lang="en-US" dirty="0" err="1">
                 <a:solidFill>
                   <a:srgbClr val="808000"/>
                 </a:solidFill>
@@ -6304,7 +6334,7 @@
               <a:t>SQLInsert</a:t>
             </a:r>
             <a:r>
-              <a:rPr lang="en-US" dirty="0" smtClean="0">
+              <a:rPr lang="en-US" dirty="0">
                 <a:solidFill>
                   <a:srgbClr val="808000"/>
                 </a:solidFill>
@@ -6312,11 +6342,11 @@
               <a:t> </a:t>
             </a:r>
             <a:r>
-              <a:rPr lang="en-US" dirty="0" smtClean="0"/>
+              <a:rPr lang="en-US" dirty="0"/>
               <a:t>/</a:t>
             </a:r>
             <a:r>
-              <a:rPr lang="en-US" dirty="0" smtClean="0">
+              <a:rPr lang="en-US" dirty="0">
                 <a:solidFill>
                   <a:srgbClr val="808000"/>
                 </a:solidFill>
@@ -6324,7 +6354,7 @@
               <a:t> @</a:t>
             </a:r>
             <a:r>
-              <a:rPr lang="en-US" dirty="0" err="1" smtClean="0">
+              <a:rPr lang="en-US" dirty="0" err="1">
                 <a:solidFill>
                   <a:srgbClr val="808000"/>
                 </a:solidFill>
@@ -6332,7 +6362,7 @@
               <a:t>SQLUpdate</a:t>
             </a:r>
             <a:r>
-              <a:rPr lang="en-US" dirty="0" smtClean="0">
+              <a:rPr lang="en-US" dirty="0">
                 <a:solidFill>
                   <a:srgbClr val="808000"/>
                 </a:solidFill>
@@ -6340,11 +6370,11 @@
               <a:t> </a:t>
             </a:r>
             <a:r>
-              <a:rPr lang="en-US" dirty="0" smtClean="0"/>
+              <a:rPr lang="en-US" dirty="0"/>
               <a:t>/</a:t>
             </a:r>
             <a:r>
-              <a:rPr lang="en-US" dirty="0" smtClean="0">
+              <a:rPr lang="en-US" dirty="0">
                 <a:solidFill>
                   <a:srgbClr val="808000"/>
                 </a:solidFill>
@@ -6352,14 +6382,14 @@
               <a:t> @</a:t>
             </a:r>
             <a:r>
-              <a:rPr lang="en-US" dirty="0" err="1" smtClean="0">
+              <a:rPr lang="en-US" dirty="0" err="1">
                 <a:solidFill>
                   <a:srgbClr val="808000"/>
                 </a:solidFill>
               </a:rPr>
               <a:t>SQLDelete</a:t>
             </a:r>
-            <a:endParaRPr lang="en-US" dirty="0" smtClean="0">
+            <a:endParaRPr lang="en-US" dirty="0">
               <a:solidFill>
                 <a:srgbClr val="808000"/>
               </a:solidFill>
@@ -6377,7 +6407,7 @@
               </a:buClr>
             </a:pPr>
             <a:r>
-              <a:rPr lang="en-US" dirty="0" smtClean="0">
+              <a:rPr lang="en-US" dirty="0">
                 <a:solidFill>
                   <a:srgbClr val="808000"/>
                 </a:solidFill>
@@ -6385,7 +6415,7 @@
               <a:t>@</a:t>
             </a:r>
             <a:r>
-              <a:rPr lang="en-US" dirty="0" err="1" smtClean="0">
+              <a:rPr lang="en-US" dirty="0" err="1">
                 <a:solidFill>
                   <a:srgbClr val="808000"/>
                 </a:solidFill>
@@ -6393,7 +6423,7 @@
               <a:t>DynamicInsert</a:t>
             </a:r>
             <a:r>
-              <a:rPr lang="en-US" dirty="0" smtClean="0">
+              <a:rPr lang="en-US" dirty="0">
                 <a:solidFill>
                   <a:srgbClr val="808000"/>
                 </a:solidFill>
@@ -6401,11 +6431,11 @@
               <a:t> </a:t>
             </a:r>
             <a:r>
-              <a:rPr lang="en-US" dirty="0" smtClean="0"/>
+              <a:rPr lang="en-US" dirty="0"/>
               <a:t>/ </a:t>
             </a:r>
             <a:r>
-              <a:rPr lang="en-US" dirty="0" smtClean="0">
+              <a:rPr lang="en-US" dirty="0">
                 <a:solidFill>
                   <a:srgbClr val="808000"/>
                 </a:solidFill>
@@ -6413,14 +6443,14 @@
               <a:t>@</a:t>
             </a:r>
             <a:r>
-              <a:rPr lang="en-US" dirty="0" err="1" smtClean="0">
+              <a:rPr lang="en-US" dirty="0" err="1">
                 <a:solidFill>
                   <a:srgbClr val="808000"/>
                 </a:solidFill>
               </a:rPr>
               <a:t>DynamicUpdate</a:t>
             </a:r>
-            <a:endParaRPr lang="ru-RU" dirty="0" smtClean="0">
+            <a:endParaRPr lang="ru-RU" dirty="0">
               <a:solidFill>
                 <a:srgbClr val="808000"/>
               </a:solidFill>
@@ -6438,10 +6468,9 @@
               </a:buClr>
             </a:pPr>
             <a:r>
-              <a:rPr lang="en-US" dirty="0" smtClean="0"/>
+              <a:rPr lang="en-US" dirty="0"/>
               <a:t>Native queries</a:t>
             </a:r>
-            <a:endParaRPr lang="en-US" dirty="0" smtClean="0"/>
           </a:p>
           <a:p>
             <a:pPr>
@@ -6455,11 +6484,11 @@
               </a:buClr>
             </a:pPr>
             <a:r>
-              <a:rPr lang="en-US" dirty="0" smtClean="0"/>
+              <a:rPr lang="en-US" dirty="0"/>
               <a:t>Child mappings (</a:t>
             </a:r>
             <a:r>
-              <a:rPr lang="en-US" dirty="0" smtClean="0">
+              <a:rPr lang="en-US" dirty="0">
                 <a:solidFill>
                   <a:srgbClr val="808000"/>
                 </a:solidFill>
@@ -6467,7 +6496,7 @@
               <a:t>@</a:t>
             </a:r>
             <a:r>
-              <a:rPr lang="en-US" dirty="0" err="1" smtClean="0">
+              <a:rPr lang="en-US" dirty="0" err="1">
                 <a:solidFill>
                   <a:srgbClr val="808000"/>
                 </a:solidFill>
@@ -6475,11 +6504,11 @@
               <a:t>OneToXXX</a:t>
             </a:r>
             <a:r>
-              <a:rPr lang="en-US" dirty="0" smtClean="0"/>
+              <a:rPr lang="en-US" dirty="0"/>
               <a:t> / </a:t>
             </a:r>
             <a:r>
-              <a:rPr lang="en-US" dirty="0" smtClean="0">
+              <a:rPr lang="en-US" dirty="0">
                 <a:solidFill>
                   <a:srgbClr val="808000"/>
                 </a:solidFill>
@@ -6487,7 +6516,7 @@
               <a:t>@</a:t>
             </a:r>
             <a:r>
-              <a:rPr lang="en-US" dirty="0" err="1" smtClean="0">
+              <a:rPr lang="en-US" dirty="0" err="1">
                 <a:solidFill>
                   <a:srgbClr val="808000"/>
                 </a:solidFill>
@@ -6495,7 +6524,7 @@
               <a:t>ManyToXXX</a:t>
             </a:r>
             <a:r>
-              <a:rPr lang="en-US" dirty="0" smtClean="0"/>
+              <a:rPr lang="en-US" dirty="0"/>
               <a:t>)</a:t>
             </a:r>
           </a:p>
@@ -6511,10 +6540,10 @@
               </a:buClr>
             </a:pPr>
             <a:r>
-              <a:rPr lang="en-US" dirty="0" smtClean="0"/>
+              <a:rPr lang="en-US" dirty="0"/>
               <a:t>Queries with DTO projections</a:t>
             </a:r>
-            <a:endParaRPr lang="en-US" dirty="0" smtClean="0">
+            <a:endParaRPr lang="en-US" dirty="0">
               <a:solidFill>
                 <a:srgbClr val="808000"/>
               </a:solidFill>
@@ -6532,7 +6561,7 @@
               </a:buClr>
             </a:pPr>
             <a:r>
-              <a:rPr lang="en-US" dirty="0" smtClean="0"/>
+              <a:rPr lang="en-US" dirty="0"/>
               <a:t>Fetching &amp; Batching</a:t>
             </a:r>
           </a:p>
@@ -6548,7 +6577,7 @@
               </a:buClr>
             </a:pPr>
             <a:r>
-              <a:rPr lang="en-US" dirty="0" smtClean="0"/>
+              <a:rPr lang="en-US" dirty="0"/>
               <a:t>JDBC Tuning</a:t>
             </a:r>
             <a:endParaRPr lang="ru-RU" dirty="0"/>
@@ -6584,13 +6613,6 @@
   <p:clrMapOvr>
     <a:masterClrMapping/>
   </p:clrMapOvr>
-  <p:timing>
-    <p:tnLst>
-      <p:par>
-        <p:cTn id="1" dur="indefinite" restart="never" nodeType="tmRoot"/>
-      </p:par>
-    </p:tnLst>
-  </p:timing>
 </p:sld>
 </file>
 
@@ -6627,7 +6649,7 @@
           <a:lstStyle/>
           <a:p>
             <a:r>
-              <a:rPr lang="en-US" dirty="0" smtClean="0"/>
+              <a:rPr lang="en-US" dirty="0"/>
               <a:t>DTO Projections</a:t>
             </a:r>
             <a:endParaRPr lang="ru-RU" dirty="0"/>
@@ -6644,7 +6666,12 @@
             <p:ph idx="1"/>
           </p:nvPr>
         </p:nvSpPr>
-        <p:spPr/>
+        <p:spPr>
+          <a:xfrm>
+            <a:off x="457200" y="2304288"/>
+            <a:ext cx="8229600" cy="4325112"/>
+          </a:xfrm>
+        </p:spPr>
         <p:txBody>
           <a:bodyPr/>
           <a:lstStyle/>
@@ -6657,10 +6684,10 @@
               </a:buClr>
             </a:pPr>
             <a:r>
-              <a:rPr lang="en-US" dirty="0" err="1" smtClean="0"/>
+              <a:rPr lang="en-US" dirty="0" err="1"/>
               <a:t>Tuple</a:t>
             </a:r>
-            <a:endParaRPr lang="en-US" dirty="0" smtClean="0"/>
+            <a:endParaRPr lang="en-US" dirty="0"/>
           </a:p>
           <a:p>
             <a:pPr>
@@ -6671,7 +6698,7 @@
               </a:buClr>
             </a:pPr>
             <a:r>
-              <a:rPr lang="en-US" dirty="0" smtClean="0"/>
+              <a:rPr lang="en-US" dirty="0"/>
               <a:t>Constructor Expression</a:t>
             </a:r>
           </a:p>
@@ -6684,7 +6711,7 @@
               </a:buClr>
             </a:pPr>
             <a:r>
-              <a:rPr lang="en-US" dirty="0" smtClean="0">
+              <a:rPr lang="en-US" dirty="0">
                 <a:solidFill>
                   <a:srgbClr val="808000"/>
                 </a:solidFill>
@@ -6692,14 +6719,14 @@
               <a:t>@</a:t>
             </a:r>
             <a:r>
-              <a:rPr lang="en-US" dirty="0" err="1" smtClean="0">
+              <a:rPr lang="en-US" dirty="0" err="1">
                 <a:solidFill>
                   <a:srgbClr val="808000"/>
                 </a:solidFill>
               </a:rPr>
               <a:t>SqlResultSetMappings</a:t>
             </a:r>
-            <a:endParaRPr lang="en-US" dirty="0" smtClean="0">
+            <a:endParaRPr lang="en-US" dirty="0">
               <a:solidFill>
                 <a:srgbClr val="808000"/>
               </a:solidFill>
@@ -6714,14 +6741,14 @@
               </a:buClr>
             </a:pPr>
             <a:r>
-              <a:rPr lang="en-US" dirty="0" err="1" smtClean="0"/>
+              <a:rPr lang="en-US" dirty="0" err="1"/>
               <a:t>Transformers.</a:t>
             </a:r>
             <a:r>
-              <a:rPr lang="en-US" i="1" dirty="0" err="1" smtClean="0"/>
+              <a:rPr lang="en-US" i="1" dirty="0" err="1"/>
               <a:t>aliasToBean</a:t>
             </a:r>
-            <a:endParaRPr lang="en-US" dirty="0" smtClean="0">
+            <a:endParaRPr lang="en-US" dirty="0">
               <a:solidFill>
                 <a:srgbClr val="808000"/>
               </a:solidFill>
@@ -6735,7 +6762,7 @@
                 </a:schemeClr>
               </a:buClr>
             </a:pPr>
-            <a:endParaRPr lang="en-US" dirty="0" smtClean="0"/>
+            <a:endParaRPr lang="en-US" dirty="0"/>
           </a:p>
           <a:p>
             <a:pPr>
@@ -6778,13 +6805,6 @@
   <p:clrMapOvr>
     <a:masterClrMapping/>
   </p:clrMapOvr>
-  <p:timing>
-    <p:tnLst>
-      <p:par>
-        <p:cTn id="1" dur="indefinite" restart="never" nodeType="tmRoot"/>
-      </p:par>
-    </p:tnLst>
-  </p:timing>
 </p:sld>
 </file>
 
